--- a/Entregables Proyecto.pptx
+++ b/Entregables Proyecto.pptx
@@ -5,10 +5,10 @@
     <p:sldMasterId id="2147483648" r:id="rId1"/>
   </p:sldMasterIdLst>
   <p:notesMasterIdLst>
-    <p:notesMasterId r:id="rId24"/>
+    <p:notesMasterId r:id="rId29"/>
   </p:notesMasterIdLst>
   <p:handoutMasterIdLst>
-    <p:handoutMasterId r:id="rId25"/>
+    <p:handoutMasterId r:id="rId30"/>
   </p:handoutMasterIdLst>
   <p:sldIdLst>
     <p:sldId id="538" r:id="rId2"/>
@@ -30,9 +30,14 @@
     <p:sldId id="555" r:id="rId18"/>
     <p:sldId id="553" r:id="rId19"/>
     <p:sldId id="558" r:id="rId20"/>
-    <p:sldId id="559" r:id="rId21"/>
-    <p:sldId id="557" r:id="rId22"/>
-    <p:sldId id="531" r:id="rId23"/>
+    <p:sldId id="560" r:id="rId21"/>
+    <p:sldId id="562" r:id="rId22"/>
+    <p:sldId id="559" r:id="rId23"/>
+    <p:sldId id="564" r:id="rId24"/>
+    <p:sldId id="563" r:id="rId25"/>
+    <p:sldId id="561" r:id="rId26"/>
+    <p:sldId id="557" r:id="rId27"/>
+    <p:sldId id="531" r:id="rId28"/>
   </p:sldIdLst>
   <p:sldSz cx="12192000" cy="6858000"/>
   <p:notesSz cx="6858000" cy="9144000"/>
@@ -252,7 +257,7 @@
           <a:p>
             <a:fld id="{88369B9F-131C-2846-AB8F-CEE154B4CAEB}" type="datetimeFigureOut">
               <a:rPr lang="es-CO" smtClean="0"/>
-              <a:t>19/03/2024</a:t>
+              <a:t>20/03/2024</a:t>
             </a:fld>
             <a:endParaRPr lang="es-CO"/>
           </a:p>
@@ -483,7 +488,7 @@
           <a:p>
             <a:fld id="{9660CB96-A603-FF42-AE46-F5F75F80A67B}" type="datetimeFigureOut">
               <a:rPr lang="es-CO" smtClean="0"/>
-              <a:t>19/03/2024</a:t>
+              <a:t>20/03/2024</a:t>
             </a:fld>
             <a:endParaRPr lang="es-CO"/>
           </a:p>
@@ -900,7 +905,7 @@
           <a:p>
             <a:fld id="{BD986248-06F7-A441-A47A-264EBD310E11}" type="datetimeFigureOut">
               <a:rPr lang="es-CO" smtClean="0"/>
-              <a:t>19/03/2024</a:t>
+              <a:t>20/03/2024</a:t>
             </a:fld>
             <a:endParaRPr lang="es-CO"/>
           </a:p>
@@ -1100,7 +1105,7 @@
           <a:p>
             <a:fld id="{BD986248-06F7-A441-A47A-264EBD310E11}" type="datetimeFigureOut">
               <a:rPr lang="es-CO" smtClean="0"/>
-              <a:t>19/03/2024</a:t>
+              <a:t>20/03/2024</a:t>
             </a:fld>
             <a:endParaRPr lang="es-CO"/>
           </a:p>
@@ -1310,7 +1315,7 @@
           <a:p>
             <a:fld id="{BD986248-06F7-A441-A47A-264EBD310E11}" type="datetimeFigureOut">
               <a:rPr lang="es-CO" smtClean="0"/>
-              <a:t>19/03/2024</a:t>
+              <a:t>20/03/2024</a:t>
             </a:fld>
             <a:endParaRPr lang="es-CO"/>
           </a:p>
@@ -1471,7 +1476,7 @@
           <a:p>
             <a:fld id="{BD986248-06F7-A441-A47A-264EBD310E11}" type="datetimeFigureOut">
               <a:rPr lang="es-CO" smtClean="0"/>
-              <a:t>19/03/2024</a:t>
+              <a:t>20/03/2024</a:t>
             </a:fld>
             <a:endParaRPr lang="es-CO"/>
           </a:p>
@@ -1671,7 +1676,7 @@
           <a:p>
             <a:fld id="{BD986248-06F7-A441-A47A-264EBD310E11}" type="datetimeFigureOut">
               <a:rPr lang="es-CO" smtClean="0"/>
-              <a:t>19/03/2024</a:t>
+              <a:t>20/03/2024</a:t>
             </a:fld>
             <a:endParaRPr lang="es-CO"/>
           </a:p>
@@ -1947,7 +1952,7 @@
           <a:p>
             <a:fld id="{BD986248-06F7-A441-A47A-264EBD310E11}" type="datetimeFigureOut">
               <a:rPr lang="es-CO" smtClean="0"/>
-              <a:t>19/03/2024</a:t>
+              <a:t>20/03/2024</a:t>
             </a:fld>
             <a:endParaRPr lang="es-CO"/>
           </a:p>
@@ -2215,7 +2220,7 @@
           <a:p>
             <a:fld id="{BD986248-06F7-A441-A47A-264EBD310E11}" type="datetimeFigureOut">
               <a:rPr lang="es-CO" smtClean="0"/>
-              <a:t>19/03/2024</a:t>
+              <a:t>20/03/2024</a:t>
             </a:fld>
             <a:endParaRPr lang="es-CO"/>
           </a:p>
@@ -2630,7 +2635,7 @@
           <a:p>
             <a:fld id="{BD986248-06F7-A441-A47A-264EBD310E11}" type="datetimeFigureOut">
               <a:rPr lang="es-CO" smtClean="0"/>
-              <a:t>19/03/2024</a:t>
+              <a:t>20/03/2024</a:t>
             </a:fld>
             <a:endParaRPr lang="es-CO"/>
           </a:p>
@@ -2772,7 +2777,7 @@
           <a:p>
             <a:fld id="{BD986248-06F7-A441-A47A-264EBD310E11}" type="datetimeFigureOut">
               <a:rPr lang="es-CO" smtClean="0"/>
-              <a:t>19/03/2024</a:t>
+              <a:t>20/03/2024</a:t>
             </a:fld>
             <a:endParaRPr lang="es-CO"/>
           </a:p>
@@ -2885,7 +2890,7 @@
           <a:p>
             <a:fld id="{BD986248-06F7-A441-A47A-264EBD310E11}" type="datetimeFigureOut">
               <a:rPr lang="es-CO" smtClean="0"/>
-              <a:t>19/03/2024</a:t>
+              <a:t>20/03/2024</a:t>
             </a:fld>
             <a:endParaRPr lang="es-CO"/>
           </a:p>
@@ -3198,7 +3203,7 @@
           <a:p>
             <a:fld id="{BD986248-06F7-A441-A47A-264EBD310E11}" type="datetimeFigureOut">
               <a:rPr lang="es-CO" smtClean="0"/>
-              <a:t>19/03/2024</a:t>
+              <a:t>20/03/2024</a:t>
             </a:fld>
             <a:endParaRPr lang="es-CO"/>
           </a:p>
@@ -3487,7 +3492,7 @@
           <a:p>
             <a:fld id="{BD986248-06F7-A441-A47A-264EBD310E11}" type="datetimeFigureOut">
               <a:rPr lang="es-CO" smtClean="0"/>
-              <a:t>19/03/2024</a:t>
+              <a:t>20/03/2024</a:t>
             </a:fld>
             <a:endParaRPr lang="es-CO"/>
           </a:p>
@@ -3730,7 +3735,7 @@
           <a:p>
             <a:fld id="{BD986248-06F7-A441-A47A-264EBD310E11}" type="datetimeFigureOut">
               <a:rPr lang="es-CO" smtClean="0"/>
-              <a:t>19/03/2024</a:t>
+              <a:t>20/03/2024</a:t>
             </a:fld>
             <a:endParaRPr lang="es-CO"/>
           </a:p>
@@ -6274,7 +6279,7 @@
         </p:nvSpPr>
         <p:spPr>
           <a:xfrm>
-            <a:off x="-1071895" y="1092013"/>
+            <a:off x="-1105451" y="303448"/>
             <a:ext cx="12120196" cy="769441"/>
           </a:xfrm>
           <a:prstGeom prst="rect">
@@ -6304,7 +6309,7 @@
                 </a:solidFill>
                 <a:latin typeface="WORK SANS BOLD ROMAN" pitchFamily="2" charset="77"/>
               </a:rPr>
-              <a:t>Requerimientos Funcionales - No Funcionales </a:t>
+              <a:t>Requerimientos Funcionales</a:t>
             </a:r>
             <a:endParaRPr lang="es-CO" sz="4000" b="1" dirty="0">
               <a:solidFill>
@@ -6332,7 +6337,7 @@
         </p:nvCxnSpPr>
         <p:spPr>
           <a:xfrm>
-            <a:off x="1067558" y="1861454"/>
+            <a:off x="941723" y="1072889"/>
             <a:ext cx="2247544" cy="0"/>
           </a:xfrm>
           <a:prstGeom prst="line">
@@ -6359,6 +6364,491 @@
           </a:fontRef>
         </p:style>
       </p:cxnSp>
+      <p:graphicFrame>
+        <p:nvGraphicFramePr>
+          <p:cNvPr id="6" name="Tabla 6">
+            <a:extLst>
+              <a:ext uri="{FF2B5EF4-FFF2-40B4-BE49-F238E27FC236}">
+                <a16:creationId xmlns:a16="http://schemas.microsoft.com/office/drawing/2014/main" id="{DAC85411-19E0-03F0-9C15-28B4C3BCDA8C}"/>
+              </a:ext>
+            </a:extLst>
+          </p:cNvPr>
+          <p:cNvGraphicFramePr>
+            <a:graphicFrameLocks noGrp="1"/>
+          </p:cNvGraphicFramePr>
+          <p:nvPr>
+            <p:extLst>
+              <p:ext uri="{D42A27DB-BD31-4B8C-83A1-F6EECF244321}">
+                <p14:modId xmlns:p14="http://schemas.microsoft.com/office/powerpoint/2010/main" val="3353965388"/>
+              </p:ext>
+            </p:extLst>
+          </p:nvPr>
+        </p:nvGraphicFramePr>
+        <p:xfrm>
+          <a:off x="731998" y="1684962"/>
+          <a:ext cx="9997521" cy="4776358"/>
+        </p:xfrm>
+        <a:graphic>
+          <a:graphicData uri="http://schemas.openxmlformats.org/drawingml/2006/table">
+            <a:tbl>
+              <a:tblPr firstRow="1" bandRow="1">
+                <a:tableStyleId>{F5AB1C69-6EDB-4FF4-983F-18BD219EF322}</a:tableStyleId>
+              </a:tblPr>
+              <a:tblGrid>
+                <a:gridCol w="1937808">
+                  <a:extLst>
+                    <a:ext uri="{9D8B030D-6E8A-4147-A177-3AD203B41FA5}">
+                      <a16:colId xmlns:a16="http://schemas.microsoft.com/office/drawing/2014/main" val="1982207072"/>
+                    </a:ext>
+                  </a:extLst>
+                </a:gridCol>
+                <a:gridCol w="5256335">
+                  <a:extLst>
+                    <a:ext uri="{9D8B030D-6E8A-4147-A177-3AD203B41FA5}">
+                      <a16:colId xmlns:a16="http://schemas.microsoft.com/office/drawing/2014/main" val="848802416"/>
+                    </a:ext>
+                  </a:extLst>
+                </a:gridCol>
+                <a:gridCol w="2803378">
+                  <a:extLst>
+                    <a:ext uri="{9D8B030D-6E8A-4147-A177-3AD203B41FA5}">
+                      <a16:colId xmlns:a16="http://schemas.microsoft.com/office/drawing/2014/main" val="330951776"/>
+                    </a:ext>
+                  </a:extLst>
+                </a:gridCol>
+              </a:tblGrid>
+              <a:tr h="727359">
+                <a:tc>
+                  <a:txBody>
+                    <a:bodyPr/>
+                    <a:lstStyle/>
+                    <a:p>
+                      <a:pPr algn="ctr"/>
+                      <a:r>
+                        <a:rPr lang="es-MX" dirty="0">
+                          <a:solidFill>
+                            <a:schemeClr val="tx1"/>
+                          </a:solidFill>
+                        </a:rPr>
+                        <a:t>No.de Requisito</a:t>
+                      </a:r>
+                      <a:endParaRPr lang="es-CO" dirty="0">
+                        <a:solidFill>
+                          <a:schemeClr val="tx1"/>
+                        </a:solidFill>
+                      </a:endParaRPr>
+                    </a:p>
+                  </a:txBody>
+                  <a:tcPr/>
+                </a:tc>
+                <a:tc>
+                  <a:txBody>
+                    <a:bodyPr/>
+                    <a:lstStyle/>
+                    <a:p>
+                      <a:pPr algn="ctr"/>
+                      <a:r>
+                        <a:rPr lang="es-MX" dirty="0">
+                          <a:solidFill>
+                            <a:schemeClr val="tx1"/>
+                          </a:solidFill>
+                        </a:rPr>
+                        <a:t>Nombre de requisito</a:t>
+                      </a:r>
+                      <a:endParaRPr lang="es-CO" dirty="0">
+                        <a:solidFill>
+                          <a:schemeClr val="tx1"/>
+                        </a:solidFill>
+                      </a:endParaRPr>
+                    </a:p>
+                  </a:txBody>
+                  <a:tcPr/>
+                </a:tc>
+                <a:tc>
+                  <a:txBody>
+                    <a:bodyPr/>
+                    <a:lstStyle/>
+                    <a:p>
+                      <a:pPr algn="ctr"/>
+                      <a:r>
+                        <a:rPr lang="es-MX" dirty="0">
+                          <a:solidFill>
+                            <a:schemeClr val="tx1"/>
+                          </a:solidFill>
+                        </a:rPr>
+                        <a:t>Prioridad </a:t>
+                      </a:r>
+                      <a:endParaRPr lang="es-CO" dirty="0">
+                        <a:solidFill>
+                          <a:schemeClr val="tx1"/>
+                        </a:solidFill>
+                      </a:endParaRPr>
+                    </a:p>
+                  </a:txBody>
+                  <a:tcPr/>
+                </a:tc>
+                <a:extLst>
+                  <a:ext uri="{0D108BD9-81ED-4DB2-BD59-A6C34878D82A}">
+                    <a16:rowId xmlns:a16="http://schemas.microsoft.com/office/drawing/2014/main" val="419709345"/>
+                  </a:ext>
+                </a:extLst>
+              </a:tr>
+              <a:tr h="601369">
+                <a:tc>
+                  <a:txBody>
+                    <a:bodyPr/>
+                    <a:lstStyle/>
+                    <a:p>
+                      <a:pPr algn="l"/>
+                      <a:r>
+                        <a:rPr lang="es-MX" dirty="0"/>
+                        <a:t>RF1</a:t>
+                      </a:r>
+                      <a:endParaRPr lang="es-CO" dirty="0"/>
+                    </a:p>
+                  </a:txBody>
+                  <a:tcPr/>
+                </a:tc>
+                <a:tc>
+                  <a:txBody>
+                    <a:bodyPr/>
+                    <a:lstStyle/>
+                    <a:p>
+                      <a:pPr algn="l"/>
+                      <a:r>
+                        <a:rPr lang="es-MX" sz="1600" dirty="0"/>
+                        <a:t>El sistema permitirá a los clientes registrarse proporcionando información (Nombre de usuario, Fecha de nacimiento, Correo electrónico, Contraseña) .</a:t>
+                      </a:r>
+                      <a:endParaRPr lang="es-CO" sz="1600" dirty="0"/>
+                    </a:p>
+                  </a:txBody>
+                  <a:tcPr/>
+                </a:tc>
+                <a:tc>
+                  <a:txBody>
+                    <a:bodyPr/>
+                    <a:lstStyle/>
+                    <a:p>
+                      <a:pPr algn="ctr"/>
+                      <a:r>
+                        <a:rPr lang="es-MX" dirty="0"/>
+                        <a:t>Alta</a:t>
+                      </a:r>
+                      <a:endParaRPr lang="es-CO" dirty="0"/>
+                    </a:p>
+                  </a:txBody>
+                  <a:tcPr/>
+                </a:tc>
+                <a:extLst>
+                  <a:ext uri="{0D108BD9-81ED-4DB2-BD59-A6C34878D82A}">
+                    <a16:rowId xmlns:a16="http://schemas.microsoft.com/office/drawing/2014/main" val="3206044640"/>
+                  </a:ext>
+                </a:extLst>
+              </a:tr>
+              <a:tr h="601369">
+                <a:tc>
+                  <a:txBody>
+                    <a:bodyPr/>
+                    <a:lstStyle/>
+                    <a:p>
+                      <a:r>
+                        <a:rPr lang="es-MX" dirty="0"/>
+                        <a:t>RF2</a:t>
+                      </a:r>
+                      <a:endParaRPr lang="es-CO" dirty="0"/>
+                    </a:p>
+                  </a:txBody>
+                  <a:tcPr/>
+                </a:tc>
+                <a:tc>
+                  <a:txBody>
+                    <a:bodyPr/>
+                    <a:lstStyle/>
+                    <a:p>
+                      <a:r>
+                        <a:rPr lang="es-MX" sz="1600" dirty="0"/>
+                        <a:t>Los clientes podrán reservar turnos seleccionando una fecha y hora disponibles</a:t>
+                      </a:r>
+                      <a:endParaRPr lang="es-CO" sz="1600" dirty="0"/>
+                    </a:p>
+                  </a:txBody>
+                  <a:tcPr/>
+                </a:tc>
+                <a:tc>
+                  <a:txBody>
+                    <a:bodyPr/>
+                    <a:lstStyle/>
+                    <a:p>
+                      <a:pPr algn="ctr"/>
+                      <a:r>
+                        <a:rPr lang="es-MX" dirty="0"/>
+                        <a:t>Alta</a:t>
+                      </a:r>
+                      <a:endParaRPr lang="es-CO" dirty="0"/>
+                    </a:p>
+                  </a:txBody>
+                  <a:tcPr/>
+                </a:tc>
+                <a:extLst>
+                  <a:ext uri="{0D108BD9-81ED-4DB2-BD59-A6C34878D82A}">
+                    <a16:rowId xmlns:a16="http://schemas.microsoft.com/office/drawing/2014/main" val="145561900"/>
+                  </a:ext>
+                </a:extLst>
+              </a:tr>
+              <a:tr h="601369">
+                <a:tc>
+                  <a:txBody>
+                    <a:bodyPr/>
+                    <a:lstStyle/>
+                    <a:p>
+                      <a:r>
+                        <a:rPr lang="es-MX" dirty="0"/>
+                        <a:t>RF3</a:t>
+                      </a:r>
+                      <a:endParaRPr lang="es-CO" dirty="0"/>
+                    </a:p>
+                  </a:txBody>
+                  <a:tcPr/>
+                </a:tc>
+                <a:tc>
+                  <a:txBody>
+                    <a:bodyPr/>
+                    <a:lstStyle/>
+                    <a:p>
+                      <a:r>
+                        <a:rPr lang="es-MX" sz="1600" dirty="0"/>
+                        <a:t>El administrador podrá editar y publicar los productos en venta </a:t>
+                      </a:r>
+                      <a:endParaRPr lang="es-CO" sz="1600" dirty="0"/>
+                    </a:p>
+                  </a:txBody>
+                  <a:tcPr/>
+                </a:tc>
+                <a:tc>
+                  <a:txBody>
+                    <a:bodyPr/>
+                    <a:lstStyle/>
+                    <a:p>
+                      <a:pPr algn="ctr"/>
+                      <a:r>
+                        <a:rPr lang="es-MX" dirty="0"/>
+                        <a:t>Alta</a:t>
+                      </a:r>
+                      <a:endParaRPr lang="es-CO" dirty="0"/>
+                    </a:p>
+                  </a:txBody>
+                  <a:tcPr/>
+                </a:tc>
+                <a:extLst>
+                  <a:ext uri="{0D108BD9-81ED-4DB2-BD59-A6C34878D82A}">
+                    <a16:rowId xmlns:a16="http://schemas.microsoft.com/office/drawing/2014/main" val="1623252429"/>
+                  </a:ext>
+                </a:extLst>
+              </a:tr>
+              <a:tr h="601369">
+                <a:tc>
+                  <a:txBody>
+                    <a:bodyPr/>
+                    <a:lstStyle/>
+                    <a:p>
+                      <a:r>
+                        <a:rPr lang="es-MX" dirty="0"/>
+                        <a:t>RF4</a:t>
+                      </a:r>
+                      <a:endParaRPr lang="es-CO" dirty="0"/>
+                    </a:p>
+                  </a:txBody>
+                  <a:tcPr/>
+                </a:tc>
+                <a:tc>
+                  <a:txBody>
+                    <a:bodyPr/>
+                    <a:lstStyle/>
+                    <a:p>
+                      <a:r>
+                        <a:rPr lang="es-MX" sz="1600" dirty="0"/>
+                        <a:t>El sistema permitirá al Administrador generar estadísticas de las ventas</a:t>
+                      </a:r>
+                      <a:endParaRPr lang="es-CO" sz="1600" dirty="0"/>
+                    </a:p>
+                  </a:txBody>
+                  <a:tcPr/>
+                </a:tc>
+                <a:tc>
+                  <a:txBody>
+                    <a:bodyPr/>
+                    <a:lstStyle/>
+                    <a:p>
+                      <a:pPr algn="ctr"/>
+                      <a:r>
+                        <a:rPr lang="es-MX" dirty="0"/>
+                        <a:t>Alta</a:t>
+                      </a:r>
+                      <a:endParaRPr lang="es-CO" dirty="0"/>
+                    </a:p>
+                  </a:txBody>
+                  <a:tcPr/>
+                </a:tc>
+                <a:extLst>
+                  <a:ext uri="{0D108BD9-81ED-4DB2-BD59-A6C34878D82A}">
+                    <a16:rowId xmlns:a16="http://schemas.microsoft.com/office/drawing/2014/main" val="3152256525"/>
+                  </a:ext>
+                </a:extLst>
+              </a:tr>
+              <a:tr h="421406">
+                <a:tc>
+                  <a:txBody>
+                    <a:bodyPr/>
+                    <a:lstStyle/>
+                    <a:p>
+                      <a:r>
+                        <a:rPr lang="es-MX" dirty="0"/>
+                        <a:t>RF5</a:t>
+                      </a:r>
+                      <a:endParaRPr lang="es-CO" dirty="0"/>
+                    </a:p>
+                  </a:txBody>
+                  <a:tcPr/>
+                </a:tc>
+                <a:tc>
+                  <a:txBody>
+                    <a:bodyPr/>
+                    <a:lstStyle/>
+                    <a:p>
+                      <a:r>
+                        <a:rPr lang="es-MX" sz="1600" dirty="0"/>
+                        <a:t>El sistema permitirá a los barberos asignar su disponibilidad</a:t>
+                      </a:r>
+                      <a:endParaRPr lang="es-CO" sz="1600" dirty="0"/>
+                    </a:p>
+                  </a:txBody>
+                  <a:tcPr/>
+                </a:tc>
+                <a:tc>
+                  <a:txBody>
+                    <a:bodyPr/>
+                    <a:lstStyle/>
+                    <a:p>
+                      <a:pPr algn="ctr"/>
+                      <a:r>
+                        <a:rPr lang="es-MX" dirty="0"/>
+                        <a:t>Alta</a:t>
+                      </a:r>
+                      <a:endParaRPr lang="es-CO" dirty="0"/>
+                    </a:p>
+                  </a:txBody>
+                  <a:tcPr/>
+                </a:tc>
+                <a:extLst>
+                  <a:ext uri="{0D108BD9-81ED-4DB2-BD59-A6C34878D82A}">
+                    <a16:rowId xmlns:a16="http://schemas.microsoft.com/office/drawing/2014/main" val="2265616512"/>
+                  </a:ext>
+                </a:extLst>
+              </a:tr>
+              <a:tr h="421406">
+                <a:tc>
+                  <a:txBody>
+                    <a:bodyPr/>
+                    <a:lstStyle/>
+                    <a:p>
+                      <a:r>
+                        <a:rPr lang="es-MX" dirty="0"/>
+                        <a:t>RF6</a:t>
+                      </a:r>
+                      <a:endParaRPr lang="es-CO" dirty="0"/>
+                    </a:p>
+                  </a:txBody>
+                  <a:tcPr/>
+                </a:tc>
+                <a:tc>
+                  <a:txBody>
+                    <a:bodyPr/>
+                    <a:lstStyle/>
+                    <a:p>
+                      <a:r>
+                        <a:rPr lang="es-MX" sz="1600" dirty="0"/>
+                        <a:t>El sistema permitirá a los clientes hacer compras de los productos en venta </a:t>
+                      </a:r>
+                      <a:endParaRPr lang="es-CO" sz="1600" dirty="0"/>
+                    </a:p>
+                  </a:txBody>
+                  <a:tcPr/>
+                </a:tc>
+                <a:tc>
+                  <a:txBody>
+                    <a:bodyPr/>
+                    <a:lstStyle/>
+                    <a:p>
+                      <a:pPr algn="ctr"/>
+                      <a:r>
+                        <a:rPr lang="es-MX" dirty="0"/>
+                        <a:t>Alta</a:t>
+                      </a:r>
+                      <a:endParaRPr lang="es-CO" dirty="0"/>
+                    </a:p>
+                  </a:txBody>
+                  <a:tcPr/>
+                </a:tc>
+                <a:extLst>
+                  <a:ext uri="{0D108BD9-81ED-4DB2-BD59-A6C34878D82A}">
+                    <a16:rowId xmlns:a16="http://schemas.microsoft.com/office/drawing/2014/main" val="4098121349"/>
+                  </a:ext>
+                </a:extLst>
+              </a:tr>
+              <a:tr h="421406">
+                <a:tc>
+                  <a:txBody>
+                    <a:bodyPr/>
+                    <a:lstStyle/>
+                    <a:p>
+                      <a:r>
+                        <a:rPr lang="es-MX" dirty="0"/>
+                        <a:t>RF7</a:t>
+                      </a:r>
+                      <a:endParaRPr lang="es-CO" dirty="0"/>
+                    </a:p>
+                  </a:txBody>
+                  <a:tcPr/>
+                </a:tc>
+                <a:tc>
+                  <a:txBody>
+                    <a:bodyPr/>
+                    <a:lstStyle/>
+                    <a:p>
+                      <a:r>
+                        <a:rPr lang="es-MX" sz="1600" dirty="0"/>
+                        <a:t>El sistema permitirá al cliente modificar o especificar su perfil </a:t>
+                      </a:r>
+                      <a:endParaRPr lang="es-CO" sz="1600" dirty="0"/>
+                    </a:p>
+                  </a:txBody>
+                  <a:tcPr/>
+                </a:tc>
+                <a:tc>
+                  <a:txBody>
+                    <a:bodyPr/>
+                    <a:lstStyle/>
+                    <a:p>
+                      <a:pPr algn="ctr"/>
+                      <a:r>
+                        <a:rPr lang="es-MX" dirty="0"/>
+                        <a:t>Media </a:t>
+                      </a:r>
+                      <a:endParaRPr lang="es-CO" dirty="0"/>
+                    </a:p>
+                  </a:txBody>
+                  <a:tcPr/>
+                </a:tc>
+                <a:extLst>
+                  <a:ext uri="{0D108BD9-81ED-4DB2-BD59-A6C34878D82A}">
+                    <a16:rowId xmlns:a16="http://schemas.microsoft.com/office/drawing/2014/main" val="1005002585"/>
+                  </a:ext>
+                </a:extLst>
+              </a:tr>
+            </a:tbl>
+          </a:graphicData>
+        </a:graphic>
+      </p:graphicFrame>
     </p:spTree>
     <p:extLst>
       <p:ext uri="{BB962C8B-B14F-4D97-AF65-F5344CB8AC3E}">
@@ -6621,7 +7111,7 @@
         </p:nvSpPr>
         <p:spPr>
           <a:xfrm>
-            <a:off x="-727947" y="748064"/>
+            <a:off x="-1105451" y="303448"/>
             <a:ext cx="12120196" cy="769441"/>
           </a:xfrm>
           <a:prstGeom prst="rect">
@@ -6642,7 +7132,16 @@
                 </a:solidFill>
                 <a:latin typeface="WORK SANS BOLD ROMAN" pitchFamily="2" charset="77"/>
               </a:rPr>
-              <a:t>		Mockups</a:t>
+              <a:t>		</a:t>
+            </a:r>
+            <a:r>
+              <a:rPr lang="es-CO" sz="4000" b="1" dirty="0">
+                <a:solidFill>
+                  <a:srgbClr val="38AA00"/>
+                </a:solidFill>
+                <a:latin typeface="WORK SANS BOLD ROMAN" pitchFamily="2" charset="77"/>
+              </a:rPr>
+              <a:t>Requerimientos NO Funcionales</a:t>
             </a:r>
             <a:endParaRPr lang="es-CO" sz="4000" b="1" dirty="0">
               <a:solidFill>
@@ -6670,7 +7169,7 @@
         </p:nvCxnSpPr>
         <p:spPr>
           <a:xfrm>
-            <a:off x="1143059" y="1516603"/>
+            <a:off x="941723" y="1072889"/>
             <a:ext cx="2247544" cy="0"/>
           </a:xfrm>
           <a:prstGeom prst="line">
@@ -6697,10 +7196,543 @@
           </a:fontRef>
         </p:style>
       </p:cxnSp>
+      <p:graphicFrame>
+        <p:nvGraphicFramePr>
+          <p:cNvPr id="4" name="Tabla 4">
+            <a:extLst>
+              <a:ext uri="{FF2B5EF4-FFF2-40B4-BE49-F238E27FC236}">
+                <a16:creationId xmlns:a16="http://schemas.microsoft.com/office/drawing/2014/main" id="{2706593F-4C61-ACF8-63E1-D9A882BA66AC}"/>
+              </a:ext>
+            </a:extLst>
+          </p:cNvPr>
+          <p:cNvGraphicFramePr>
+            <a:graphicFrameLocks noGrp="1"/>
+          </p:cNvGraphicFramePr>
+          <p:nvPr>
+            <p:extLst>
+              <p:ext uri="{D42A27DB-BD31-4B8C-83A1-F6EECF244321}">
+                <p14:modId xmlns:p14="http://schemas.microsoft.com/office/powerpoint/2010/main" val="3794515029"/>
+              </p:ext>
+            </p:extLst>
+          </p:nvPr>
+        </p:nvGraphicFramePr>
+        <p:xfrm>
+          <a:off x="781683" y="1405994"/>
+          <a:ext cx="10509898" cy="5229807"/>
+        </p:xfrm>
+        <a:graphic>
+          <a:graphicData uri="http://schemas.openxmlformats.org/drawingml/2006/table">
+            <a:tbl>
+              <a:tblPr firstRow="1" bandRow="1">
+                <a:tableStyleId>{F5AB1C69-6EDB-4FF4-983F-18BD219EF322}</a:tableStyleId>
+              </a:tblPr>
+              <a:tblGrid>
+                <a:gridCol w="1473277">
+                  <a:extLst>
+                    <a:ext uri="{9D8B030D-6E8A-4147-A177-3AD203B41FA5}">
+                      <a16:colId xmlns:a16="http://schemas.microsoft.com/office/drawing/2014/main" val="244131686"/>
+                    </a:ext>
+                  </a:extLst>
+                </a:gridCol>
+                <a:gridCol w="5533322">
+                  <a:extLst>
+                    <a:ext uri="{9D8B030D-6E8A-4147-A177-3AD203B41FA5}">
+                      <a16:colId xmlns:a16="http://schemas.microsoft.com/office/drawing/2014/main" val="2638220164"/>
+                    </a:ext>
+                  </a:extLst>
+                </a:gridCol>
+                <a:gridCol w="3503299">
+                  <a:extLst>
+                    <a:ext uri="{9D8B030D-6E8A-4147-A177-3AD203B41FA5}">
+                      <a16:colId xmlns:a16="http://schemas.microsoft.com/office/drawing/2014/main" val="437184828"/>
+                    </a:ext>
+                  </a:extLst>
+                </a:gridCol>
+              </a:tblGrid>
+              <a:tr h="562276">
+                <a:tc>
+                  <a:txBody>
+                    <a:bodyPr/>
+                    <a:lstStyle/>
+                    <a:p>
+                      <a:pPr algn="ctr"/>
+                      <a:r>
+                        <a:rPr lang="es-ES" dirty="0">
+                          <a:solidFill>
+                            <a:schemeClr val="tx1"/>
+                          </a:solidFill>
+                        </a:rPr>
+                        <a:t>No. de requisitos</a:t>
+                      </a:r>
+                      <a:endParaRPr lang="es-CO" dirty="0">
+                        <a:solidFill>
+                          <a:schemeClr val="tx1"/>
+                        </a:solidFill>
+                      </a:endParaRPr>
+                    </a:p>
+                  </a:txBody>
+                  <a:tcPr/>
+                </a:tc>
+                <a:tc>
+                  <a:txBody>
+                    <a:bodyPr/>
+                    <a:lstStyle/>
+                    <a:p>
+                      <a:pPr algn="ctr"/>
+                      <a:r>
+                        <a:rPr lang="es-ES" dirty="0">
+                          <a:solidFill>
+                            <a:schemeClr val="tx1"/>
+                          </a:solidFill>
+                        </a:rPr>
+                        <a:t>Nombre de requisito</a:t>
+                      </a:r>
+                      <a:endParaRPr lang="es-CO" dirty="0">
+                        <a:solidFill>
+                          <a:schemeClr val="tx1"/>
+                        </a:solidFill>
+                      </a:endParaRPr>
+                    </a:p>
+                  </a:txBody>
+                  <a:tcPr/>
+                </a:tc>
+                <a:tc>
+                  <a:txBody>
+                    <a:bodyPr/>
+                    <a:lstStyle/>
+                    <a:p>
+                      <a:pPr algn="ctr"/>
+                      <a:r>
+                        <a:rPr lang="es-ES" dirty="0">
+                          <a:solidFill>
+                            <a:schemeClr val="tx1"/>
+                          </a:solidFill>
+                        </a:rPr>
+                        <a:t>Prioridad</a:t>
+                      </a:r>
+                      <a:endParaRPr lang="es-CO" dirty="0">
+                        <a:solidFill>
+                          <a:schemeClr val="tx1"/>
+                        </a:solidFill>
+                      </a:endParaRPr>
+                    </a:p>
+                  </a:txBody>
+                  <a:tcPr/>
+                </a:tc>
+                <a:extLst>
+                  <a:ext uri="{0D108BD9-81ED-4DB2-BD59-A6C34878D82A}">
+                    <a16:rowId xmlns:a16="http://schemas.microsoft.com/office/drawing/2014/main" val="151224299"/>
+                  </a:ext>
+                </a:extLst>
+              </a:tr>
+              <a:tr h="678929">
+                <a:tc>
+                  <a:txBody>
+                    <a:bodyPr/>
+                    <a:lstStyle/>
+                    <a:p>
+                      <a:r>
+                        <a:rPr lang="es-ES" dirty="0"/>
+                        <a:t>RNF1</a:t>
+                      </a:r>
+                      <a:endParaRPr lang="es-CO" dirty="0"/>
+                    </a:p>
+                  </a:txBody>
+                  <a:tcPr/>
+                </a:tc>
+                <a:tc>
+                  <a:txBody>
+                    <a:bodyPr/>
+                    <a:lstStyle/>
+                    <a:p>
+                      <a:r>
+                        <a:rPr lang="es-ES" sz="1600" dirty="0"/>
+                        <a:t>El sistema debe responder de forma rápida y eficiente. </a:t>
+                      </a:r>
+                      <a:endParaRPr lang="es-CO" sz="1600" dirty="0"/>
+                    </a:p>
+                  </a:txBody>
+                  <a:tcPr/>
+                </a:tc>
+                <a:tc>
+                  <a:txBody>
+                    <a:bodyPr/>
+                    <a:lstStyle/>
+                    <a:p>
+                      <a:pPr algn="ctr"/>
+                      <a:r>
+                        <a:rPr lang="es-ES" dirty="0"/>
+                        <a:t>Alta</a:t>
+                      </a:r>
+                      <a:endParaRPr lang="es-CO" dirty="0"/>
+                    </a:p>
+                  </a:txBody>
+                  <a:tcPr/>
+                </a:tc>
+                <a:extLst>
+                  <a:ext uri="{0D108BD9-81ED-4DB2-BD59-A6C34878D82A}">
+                    <a16:rowId xmlns:a16="http://schemas.microsoft.com/office/drawing/2014/main" val="2024686859"/>
+                  </a:ext>
+                </a:extLst>
+              </a:tr>
+              <a:tr h="754376">
+                <a:tc>
+                  <a:txBody>
+                    <a:bodyPr/>
+                    <a:lstStyle/>
+                    <a:p>
+                      <a:r>
+                        <a:rPr lang="es-ES" dirty="0"/>
+                        <a:t>RNF2</a:t>
+                      </a:r>
+                      <a:endParaRPr lang="es-CO" dirty="0"/>
+                    </a:p>
+                  </a:txBody>
+                  <a:tcPr/>
+                </a:tc>
+                <a:tc>
+                  <a:txBody>
+                    <a:bodyPr/>
+                    <a:lstStyle/>
+                    <a:p>
+                      <a:r>
+                        <a:rPr lang="es-ES" sz="1600" dirty="0"/>
+                        <a:t>El sistema debe proteger información personal de los clientes y garantizar su confidencialidad.</a:t>
+                      </a:r>
+                      <a:endParaRPr lang="es-CO" sz="1600" dirty="0"/>
+                    </a:p>
+                  </a:txBody>
+                  <a:tcPr/>
+                </a:tc>
+                <a:tc>
+                  <a:txBody>
+                    <a:bodyPr/>
+                    <a:lstStyle/>
+                    <a:p>
+                      <a:pPr algn="ctr"/>
+                      <a:r>
+                        <a:rPr lang="es-ES" dirty="0"/>
+                        <a:t>Alta</a:t>
+                      </a:r>
+                      <a:endParaRPr lang="es-CO" dirty="0"/>
+                    </a:p>
+                  </a:txBody>
+                  <a:tcPr/>
+                </a:tc>
+                <a:extLst>
+                  <a:ext uri="{0D108BD9-81ED-4DB2-BD59-A6C34878D82A}">
+                    <a16:rowId xmlns:a16="http://schemas.microsoft.com/office/drawing/2014/main" val="867377535"/>
+                  </a:ext>
+                </a:extLst>
+              </a:tr>
+              <a:tr h="383265">
+                <a:tc>
+                  <a:txBody>
+                    <a:bodyPr/>
+                    <a:lstStyle/>
+                    <a:p>
+                      <a:r>
+                        <a:rPr lang="es-ES" dirty="0"/>
+                        <a:t>RNF3</a:t>
+                      </a:r>
+                      <a:endParaRPr lang="es-CO" dirty="0"/>
+                    </a:p>
+                  </a:txBody>
+                  <a:tcPr/>
+                </a:tc>
+                <a:tc>
+                  <a:txBody>
+                    <a:bodyPr/>
+                    <a:lstStyle/>
+                    <a:p>
+                      <a:r>
+                        <a:rPr lang="es-ES" sz="1600" dirty="0"/>
+                        <a:t>El sistema debe tener disponibilidad las 24 horas</a:t>
+                      </a:r>
+                      <a:endParaRPr lang="es-CO" sz="1600" dirty="0"/>
+                    </a:p>
+                  </a:txBody>
+                  <a:tcPr/>
+                </a:tc>
+                <a:tc>
+                  <a:txBody>
+                    <a:bodyPr/>
+                    <a:lstStyle/>
+                    <a:p>
+                      <a:pPr algn="ctr"/>
+                      <a:r>
+                        <a:rPr lang="es-ES" dirty="0"/>
+                        <a:t>Alta</a:t>
+                      </a:r>
+                      <a:endParaRPr lang="es-CO" dirty="0"/>
+                    </a:p>
+                  </a:txBody>
+                  <a:tcPr/>
+                </a:tc>
+                <a:extLst>
+                  <a:ext uri="{0D108BD9-81ED-4DB2-BD59-A6C34878D82A}">
+                    <a16:rowId xmlns:a16="http://schemas.microsoft.com/office/drawing/2014/main" val="3429220509"/>
+                  </a:ext>
+                </a:extLst>
+              </a:tr>
+              <a:tr h="722926">
+                <a:tc>
+                  <a:txBody>
+                    <a:bodyPr/>
+                    <a:lstStyle/>
+                    <a:p>
+                      <a:r>
+                        <a:rPr lang="es-ES" dirty="0"/>
+                        <a:t>RNF4</a:t>
+                      </a:r>
+                      <a:endParaRPr lang="es-CO" dirty="0"/>
+                    </a:p>
+                  </a:txBody>
+                  <a:tcPr/>
+                </a:tc>
+                <a:tc>
+                  <a:txBody>
+                    <a:bodyPr/>
+                    <a:lstStyle/>
+                    <a:p>
+                      <a:r>
+                        <a:rPr lang="es-ES" sz="1600" dirty="0"/>
+                        <a:t>El sistema debe estar en actualización frecuentemente(actualizar nuevos productos, nuevos servicios, etc.)</a:t>
+                      </a:r>
+                      <a:endParaRPr lang="es-CO" sz="1600" dirty="0"/>
+                    </a:p>
+                  </a:txBody>
+                  <a:tcPr/>
+                </a:tc>
+                <a:tc>
+                  <a:txBody>
+                    <a:bodyPr/>
+                    <a:lstStyle/>
+                    <a:p>
+                      <a:pPr algn="ctr"/>
+                      <a:r>
+                        <a:rPr lang="es-ES" dirty="0"/>
+                        <a:t>Alta</a:t>
+                      </a:r>
+                      <a:endParaRPr lang="es-CO" dirty="0"/>
+                    </a:p>
+                  </a:txBody>
+                  <a:tcPr/>
+                </a:tc>
+                <a:extLst>
+                  <a:ext uri="{0D108BD9-81ED-4DB2-BD59-A6C34878D82A}">
+                    <a16:rowId xmlns:a16="http://schemas.microsoft.com/office/drawing/2014/main" val="1225037290"/>
+                  </a:ext>
+                </a:extLst>
+              </a:tr>
+              <a:tr h="508726">
+                <a:tc>
+                  <a:txBody>
+                    <a:bodyPr/>
+                    <a:lstStyle/>
+                    <a:p>
+                      <a:r>
+                        <a:rPr lang="es-ES" dirty="0"/>
+                        <a:t>RNF5</a:t>
+                      </a:r>
+                      <a:endParaRPr lang="es-CO" dirty="0"/>
+                    </a:p>
+                  </a:txBody>
+                  <a:tcPr/>
+                </a:tc>
+                <a:tc>
+                  <a:txBody>
+                    <a:bodyPr/>
+                    <a:lstStyle/>
+                    <a:p>
+                      <a:r>
+                        <a:rPr lang="es-ES" sz="1600" dirty="0"/>
+                        <a:t>El sistema debe adaptarse a los diferentes hardware </a:t>
+                      </a:r>
+                      <a:endParaRPr lang="es-CO" sz="1600" dirty="0"/>
+                    </a:p>
+                  </a:txBody>
+                  <a:tcPr/>
+                </a:tc>
+                <a:tc>
+                  <a:txBody>
+                    <a:bodyPr/>
+                    <a:lstStyle/>
+                    <a:p>
+                      <a:pPr algn="ctr"/>
+                      <a:r>
+                        <a:rPr lang="es-ES" dirty="0"/>
+                        <a:t>Alta</a:t>
+                      </a:r>
+                      <a:endParaRPr lang="es-CO" dirty="0"/>
+                    </a:p>
+                  </a:txBody>
+                  <a:tcPr/>
+                </a:tc>
+                <a:extLst>
+                  <a:ext uri="{0D108BD9-81ED-4DB2-BD59-A6C34878D82A}">
+                    <a16:rowId xmlns:a16="http://schemas.microsoft.com/office/drawing/2014/main" val="2487362685"/>
+                  </a:ext>
+                </a:extLst>
+              </a:tr>
+              <a:tr h="383265">
+                <a:tc>
+                  <a:txBody>
+                    <a:bodyPr/>
+                    <a:lstStyle/>
+                    <a:p>
+                      <a:r>
+                        <a:rPr lang="es-ES" dirty="0"/>
+                        <a:t>RNF6</a:t>
+                      </a:r>
+                      <a:endParaRPr lang="es-CO" dirty="0"/>
+                    </a:p>
+                  </a:txBody>
+                  <a:tcPr/>
+                </a:tc>
+                <a:tc>
+                  <a:txBody>
+                    <a:bodyPr/>
+                    <a:lstStyle/>
+                    <a:p>
+                      <a:r>
+                        <a:rPr lang="es-ES" sz="1600" dirty="0"/>
+                        <a:t>El sistema debe almacenar los datos que se solicitan al ingresar </a:t>
+                      </a:r>
+                      <a:endParaRPr lang="es-CO" sz="1600" dirty="0"/>
+                    </a:p>
+                  </a:txBody>
+                  <a:tcPr/>
+                </a:tc>
+                <a:tc>
+                  <a:txBody>
+                    <a:bodyPr/>
+                    <a:lstStyle/>
+                    <a:p>
+                      <a:pPr algn="ctr"/>
+                      <a:r>
+                        <a:rPr lang="es-ES" dirty="0"/>
+                        <a:t>Alta</a:t>
+                      </a:r>
+                      <a:endParaRPr lang="es-CO" dirty="0"/>
+                    </a:p>
+                  </a:txBody>
+                  <a:tcPr/>
+                </a:tc>
+                <a:extLst>
+                  <a:ext uri="{0D108BD9-81ED-4DB2-BD59-A6C34878D82A}">
+                    <a16:rowId xmlns:a16="http://schemas.microsoft.com/office/drawing/2014/main" val="1755249290"/>
+                  </a:ext>
+                </a:extLst>
+              </a:tr>
+              <a:tr h="383265">
+                <a:tc>
+                  <a:txBody>
+                    <a:bodyPr/>
+                    <a:lstStyle/>
+                    <a:p>
+                      <a:r>
+                        <a:rPr lang="es-ES" dirty="0"/>
+                        <a:t>RNF7</a:t>
+                      </a:r>
+                      <a:endParaRPr lang="es-CO" dirty="0"/>
+                    </a:p>
+                  </a:txBody>
+                  <a:tcPr/>
+                </a:tc>
+                <a:tc>
+                  <a:txBody>
+                    <a:bodyPr/>
+                    <a:lstStyle/>
+                    <a:p>
+                      <a:r>
+                        <a:rPr lang="es-ES" sz="1600" dirty="0"/>
+                        <a:t>El sistema debe mantener los datos del cliente encriptados o cifrados  </a:t>
+                      </a:r>
+                      <a:endParaRPr lang="es-CO" sz="1600" dirty="0"/>
+                    </a:p>
+                  </a:txBody>
+                  <a:tcPr/>
+                </a:tc>
+                <a:tc>
+                  <a:txBody>
+                    <a:bodyPr/>
+                    <a:lstStyle/>
+                    <a:p>
+                      <a:pPr algn="ctr"/>
+                      <a:r>
+                        <a:rPr lang="es-ES" dirty="0"/>
+                        <a:t>Alta </a:t>
+                      </a:r>
+                      <a:endParaRPr lang="es-CO" dirty="0"/>
+                    </a:p>
+                  </a:txBody>
+                  <a:tcPr/>
+                </a:tc>
+                <a:extLst>
+                  <a:ext uri="{0D108BD9-81ED-4DB2-BD59-A6C34878D82A}">
+                    <a16:rowId xmlns:a16="http://schemas.microsoft.com/office/drawing/2014/main" val="674960033"/>
+                  </a:ext>
+                </a:extLst>
+              </a:tr>
+              <a:tr h="528063">
+                <a:tc>
+                  <a:txBody>
+                    <a:bodyPr/>
+                    <a:lstStyle/>
+                    <a:p>
+                      <a:r>
+                        <a:rPr lang="es-ES" dirty="0"/>
+                        <a:t>RNF8</a:t>
+                      </a:r>
+                      <a:endParaRPr lang="es-CO" dirty="0"/>
+                    </a:p>
+                  </a:txBody>
+                  <a:tcPr/>
+                </a:tc>
+                <a:tc>
+                  <a:txBody>
+                    <a:bodyPr/>
+                    <a:lstStyle/>
+                    <a:p>
+                      <a:r>
+                        <a:rPr lang="es-ES" sz="1600" dirty="0"/>
+                        <a:t>La interfaz de usuario debe ser intuitiva y fácil de usar para los empelados y clientes.</a:t>
+                      </a:r>
+                      <a:endParaRPr lang="es-CO" sz="1600" dirty="0"/>
+                    </a:p>
+                  </a:txBody>
+                  <a:tcPr/>
+                </a:tc>
+                <a:tc>
+                  <a:txBody>
+                    <a:bodyPr/>
+                    <a:lstStyle/>
+                    <a:p>
+                      <a:pPr algn="ctr"/>
+                      <a:r>
+                        <a:rPr lang="es-ES" dirty="0"/>
+                        <a:t>Alta</a:t>
+                      </a:r>
+                      <a:endParaRPr lang="es-CO" dirty="0"/>
+                    </a:p>
+                  </a:txBody>
+                  <a:tcPr/>
+                </a:tc>
+                <a:extLst>
+                  <a:ext uri="{0D108BD9-81ED-4DB2-BD59-A6C34878D82A}">
+                    <a16:rowId xmlns:a16="http://schemas.microsoft.com/office/drawing/2014/main" val="432450476"/>
+                  </a:ext>
+                </a:extLst>
+              </a:tr>
+            </a:tbl>
+          </a:graphicData>
+        </a:graphic>
+      </p:graphicFrame>
     </p:spTree>
     <p:extLst>
       <p:ext uri="{BB962C8B-B14F-4D97-AF65-F5344CB8AC3E}">
-        <p14:creationId xmlns:p14="http://schemas.microsoft.com/office/powerpoint/2010/main" val="3506750429"/>
+        <p14:creationId xmlns:p14="http://schemas.microsoft.com/office/powerpoint/2010/main" val="2495822395"/>
       </p:ext>
     </p:extLst>
   </p:cSld>
@@ -6743,6 +7775,1877 @@
       </p:grpSpPr>
       <p:sp>
         <p:nvSpPr>
+          <p:cNvPr id="4" name="Rectángulo 3">
+            <a:extLst>
+              <a:ext uri="{FF2B5EF4-FFF2-40B4-BE49-F238E27FC236}">
+                <a16:creationId xmlns:a16="http://schemas.microsoft.com/office/drawing/2014/main" id="{D1149976-59ED-86DE-CAFB-F26E38C394F4}"/>
+              </a:ext>
+            </a:extLst>
+          </p:cNvPr>
+          <p:cNvSpPr/>
+          <p:nvPr/>
+        </p:nvSpPr>
+        <p:spPr>
+          <a:xfrm>
+            <a:off x="3423628" y="3954050"/>
+            <a:ext cx="5344743" cy="369332"/>
+          </a:xfrm>
+          <a:prstGeom prst="rect">
+            <a:avLst/>
+          </a:prstGeom>
+        </p:spPr>
+        <p:txBody>
+          <a:bodyPr wrap="square">
+            <a:spAutoFit/>
+          </a:bodyPr>
+          <a:lstStyle/>
+          <a:p>
+            <a:pPr>
+              <a:lnSpc>
+                <a:spcPct val="90000"/>
+              </a:lnSpc>
+              <a:spcBef>
+                <a:spcPct val="0"/>
+              </a:spcBef>
+              <a:defRPr sz="4000"/>
+            </a:pPr>
+            <a:endParaRPr lang="es-ES_tradnl" sz="2000" dirty="0">
+              <a:solidFill>
+                <a:schemeClr val="bg1"/>
+              </a:solidFill>
+              <a:latin typeface="Work Sans Medium Roman" pitchFamily="2" charset="77"/>
+              <a:ea typeface="+mj-ea"/>
+              <a:cs typeface="+mj-cs"/>
+              <a:sym typeface="Calibri"/>
+            </a:endParaRPr>
+          </a:p>
+        </p:txBody>
+      </p:sp>
+      <p:sp>
+        <p:nvSpPr>
+          <p:cNvPr id="5" name="CuadroTexto 4">
+            <a:extLst>
+              <a:ext uri="{FF2B5EF4-FFF2-40B4-BE49-F238E27FC236}">
+                <a16:creationId xmlns:a16="http://schemas.microsoft.com/office/drawing/2014/main" id="{35BFFB67-C3D4-337D-C327-AB25D270EADA}"/>
+              </a:ext>
+            </a:extLst>
+          </p:cNvPr>
+          <p:cNvSpPr txBox="1"/>
+          <p:nvPr/>
+        </p:nvSpPr>
+        <p:spPr>
+          <a:xfrm>
+            <a:off x="-534041" y="2623935"/>
+            <a:ext cx="13490187" cy="830997"/>
+          </a:xfrm>
+          <a:prstGeom prst="rect">
+            <a:avLst/>
+          </a:prstGeom>
+          <a:noFill/>
+        </p:spPr>
+        <p:txBody>
+          <a:bodyPr wrap="square" rtlCol="0">
+            <a:spAutoFit/>
+          </a:bodyPr>
+          <a:lstStyle/>
+          <a:p>
+            <a:pPr marL="0" marR="0" lvl="0" indent="0" algn="ctr" defTabSz="914400" rtl="0" eaLnBrk="1" fontAlgn="auto" latinLnBrk="0" hangingPunct="1">
+              <a:lnSpc>
+                <a:spcPct val="100000"/>
+              </a:lnSpc>
+              <a:spcBef>
+                <a:spcPts val="0"/>
+              </a:spcBef>
+              <a:spcAft>
+                <a:spcPts val="0"/>
+              </a:spcAft>
+              <a:buClrTx/>
+              <a:buSzTx/>
+              <a:buFontTx/>
+              <a:buNone/>
+              <a:tabLst/>
+              <a:defRPr/>
+            </a:pPr>
+            <a:r>
+              <a:rPr kumimoji="0" lang="es-MX" sz="4800" b="1" u="none" strike="noStrike" kern="1200" cap="none" spc="0" normalizeH="0" baseline="0" noProof="0" dirty="0">
+                <a:ln>
+                  <a:noFill/>
+                </a:ln>
+                <a:solidFill>
+                  <a:schemeClr val="bg1"/>
+                </a:solidFill>
+                <a:effectLst/>
+                <a:uLnTx/>
+                <a:uFillTx/>
+                <a:latin typeface="WORK SANS BOLD ROMAN" pitchFamily="2" charset="77"/>
+              </a:rPr>
+              <a:t>HISTORIAS DE USUARIO</a:t>
+            </a:r>
+            <a:endParaRPr kumimoji="0" lang="es-CO" sz="4800" b="1" u="none" strike="noStrike" kern="1200" cap="none" spc="0" normalizeH="0" baseline="0" noProof="0" dirty="0">
+              <a:ln>
+                <a:noFill/>
+              </a:ln>
+              <a:solidFill>
+                <a:schemeClr val="bg1"/>
+              </a:solidFill>
+              <a:effectLst/>
+              <a:uLnTx/>
+              <a:uFillTx/>
+              <a:latin typeface="WORK SANS BOLD ROMAN" pitchFamily="2" charset="77"/>
+            </a:endParaRPr>
+          </a:p>
+        </p:txBody>
+      </p:sp>
+      <p:cxnSp>
+        <p:nvCxnSpPr>
+          <p:cNvPr id="6" name="Conector recto 5">
+            <a:extLst>
+              <a:ext uri="{FF2B5EF4-FFF2-40B4-BE49-F238E27FC236}">
+                <a16:creationId xmlns:a16="http://schemas.microsoft.com/office/drawing/2014/main" id="{38CE8666-1D2A-4D01-34E5-54FD74A39FC0}"/>
+              </a:ext>
+            </a:extLst>
+          </p:cNvPr>
+          <p:cNvCxnSpPr>
+            <a:cxnSpLocks/>
+          </p:cNvCxnSpPr>
+          <p:nvPr/>
+        </p:nvCxnSpPr>
+        <p:spPr>
+          <a:xfrm>
+            <a:off x="5013630" y="3555133"/>
+            <a:ext cx="2247544" cy="0"/>
+          </a:xfrm>
+          <a:prstGeom prst="line">
+            <a:avLst/>
+          </a:prstGeom>
+          <a:ln w="12700">
+            <a:solidFill>
+              <a:schemeClr val="bg1"/>
+            </a:solidFill>
+          </a:ln>
+        </p:spPr>
+        <p:style>
+          <a:lnRef idx="1">
+            <a:schemeClr val="accent1"/>
+          </a:lnRef>
+          <a:fillRef idx="0">
+            <a:schemeClr val="accent1"/>
+          </a:fillRef>
+          <a:effectRef idx="0">
+            <a:schemeClr val="accent1"/>
+          </a:effectRef>
+          <a:fontRef idx="minor">
+            <a:schemeClr val="tx1"/>
+          </a:fontRef>
+        </p:style>
+      </p:cxnSp>
+    </p:spTree>
+    <p:extLst>
+      <p:ext uri="{BB962C8B-B14F-4D97-AF65-F5344CB8AC3E}">
+        <p14:creationId xmlns:p14="http://schemas.microsoft.com/office/powerpoint/2010/main" val="851402909"/>
+      </p:ext>
+    </p:extLst>
+  </p:cSld>
+  <p:clrMapOvr>
+    <a:masterClrMapping/>
+  </p:clrMapOvr>
+</p:sld>
+</file>
+
+<file path=ppt/slides/slide22.xml><?xml version="1.0" encoding="utf-8"?>
+<p:sld xmlns:a="http://schemas.openxmlformats.org/drawingml/2006/main" xmlns:r="http://schemas.openxmlformats.org/officeDocument/2006/relationships" xmlns:p="http://schemas.openxmlformats.org/presentationml/2006/main">
+  <p:cSld>
+    <p:bg>
+      <p:bgPr>
+        <a:blipFill dpi="0" rotWithShape="1">
+          <a:blip r:embed="rId2">
+            <a:lum/>
+          </a:blip>
+          <a:srcRect/>
+          <a:stretch>
+            <a:fillRect/>
+          </a:stretch>
+        </a:blipFill>
+        <a:effectLst/>
+      </p:bgPr>
+    </p:bg>
+    <p:spTree>
+      <p:nvGrpSpPr>
+        <p:cNvPr id="1" name=""/>
+        <p:cNvGrpSpPr/>
+        <p:nvPr/>
+      </p:nvGrpSpPr>
+      <p:grpSpPr>
+        <a:xfrm>
+          <a:off x="0" y="0"/>
+          <a:ext cx="0" cy="0"/>
+          <a:chOff x="0" y="0"/>
+          <a:chExt cx="0" cy="0"/>
+        </a:xfrm>
+      </p:grpSpPr>
+      <p:sp>
+        <p:nvSpPr>
+          <p:cNvPr id="2" name="CuadroTexto 1">
+            <a:extLst>
+              <a:ext uri="{FF2B5EF4-FFF2-40B4-BE49-F238E27FC236}">
+                <a16:creationId xmlns:a16="http://schemas.microsoft.com/office/drawing/2014/main" id="{91FEF253-53C4-B5FA-07C7-0B039B14F52F}"/>
+              </a:ext>
+            </a:extLst>
+          </p:cNvPr>
+          <p:cNvSpPr txBox="1"/>
+          <p:nvPr/>
+        </p:nvSpPr>
+        <p:spPr>
+          <a:xfrm>
+            <a:off x="-727947" y="748064"/>
+            <a:ext cx="12120196" cy="769441"/>
+          </a:xfrm>
+          <a:prstGeom prst="rect">
+            <a:avLst/>
+          </a:prstGeom>
+          <a:noFill/>
+        </p:spPr>
+        <p:txBody>
+          <a:bodyPr wrap="square" rtlCol="0">
+            <a:spAutoFit/>
+          </a:bodyPr>
+          <a:lstStyle/>
+          <a:p>
+            <a:r>
+              <a:rPr lang="es-CO" sz="4400" b="1" dirty="0">
+                <a:solidFill>
+                  <a:srgbClr val="38AA00"/>
+                </a:solidFill>
+                <a:latin typeface="WORK SANS BOLD ROMAN" pitchFamily="2" charset="77"/>
+              </a:rPr>
+              <a:t>		HISTORIAS DE USUARIO</a:t>
+            </a:r>
+            <a:endParaRPr lang="es-CO" sz="4000" b="1" dirty="0">
+              <a:solidFill>
+                <a:srgbClr val="38AA00"/>
+              </a:solidFill>
+              <a:latin typeface="Times New Roman" panose="02020603050405020304" pitchFamily="18" charset="0"/>
+              <a:cs typeface="Times New Roman" panose="02020603050405020304" pitchFamily="18" charset="0"/>
+            </a:endParaRPr>
+          </a:p>
+        </p:txBody>
+      </p:sp>
+      <p:cxnSp>
+        <p:nvCxnSpPr>
+          <p:cNvPr id="3" name="Conector recto 2">
+            <a:extLst>
+              <a:ext uri="{FF2B5EF4-FFF2-40B4-BE49-F238E27FC236}">
+                <a16:creationId xmlns:a16="http://schemas.microsoft.com/office/drawing/2014/main" id="{AE0C963B-97B4-4F66-1B49-0B47BC7F0F1A}"/>
+              </a:ext>
+            </a:extLst>
+          </p:cNvPr>
+          <p:cNvCxnSpPr>
+            <a:cxnSpLocks/>
+          </p:cNvCxnSpPr>
+          <p:nvPr/>
+        </p:nvCxnSpPr>
+        <p:spPr>
+          <a:xfrm>
+            <a:off x="1143059" y="1516603"/>
+            <a:ext cx="2247544" cy="0"/>
+          </a:xfrm>
+          <a:prstGeom prst="line">
+            <a:avLst/>
+          </a:prstGeom>
+          <a:ln w="12700">
+            <a:solidFill>
+              <a:srgbClr val="38AA00"/>
+            </a:solidFill>
+          </a:ln>
+        </p:spPr>
+        <p:style>
+          <a:lnRef idx="1">
+            <a:schemeClr val="accent1"/>
+          </a:lnRef>
+          <a:fillRef idx="0">
+            <a:schemeClr val="accent1"/>
+          </a:fillRef>
+          <a:effectRef idx="0">
+            <a:schemeClr val="accent1"/>
+          </a:effectRef>
+          <a:fontRef idx="minor">
+            <a:schemeClr val="tx1"/>
+          </a:fontRef>
+        </p:style>
+      </p:cxnSp>
+      <p:graphicFrame>
+        <p:nvGraphicFramePr>
+          <p:cNvPr id="4" name="Tabla 10">
+            <a:extLst>
+              <a:ext uri="{FF2B5EF4-FFF2-40B4-BE49-F238E27FC236}">
+                <a16:creationId xmlns:a16="http://schemas.microsoft.com/office/drawing/2014/main" id="{DE46065B-F26B-6A24-900A-C45CA39B4E9F}"/>
+              </a:ext>
+            </a:extLst>
+          </p:cNvPr>
+          <p:cNvGraphicFramePr>
+            <a:graphicFrameLocks noGrp="1"/>
+          </p:cNvGraphicFramePr>
+          <p:nvPr>
+            <p:extLst>
+              <p:ext uri="{D42A27DB-BD31-4B8C-83A1-F6EECF244321}">
+                <p14:modId xmlns:p14="http://schemas.microsoft.com/office/powerpoint/2010/main" val="321450974"/>
+              </p:ext>
+            </p:extLst>
+          </p:nvPr>
+        </p:nvGraphicFramePr>
+        <p:xfrm>
+          <a:off x="557212" y="566991"/>
+          <a:ext cx="10417237" cy="5724017"/>
+        </p:xfrm>
+        <a:graphic>
+          <a:graphicData uri="http://schemas.openxmlformats.org/drawingml/2006/table">
+            <a:tbl>
+              <a:tblPr firstRow="1" bandRow="1">
+                <a:tableStyleId>{5C22544A-7EE6-4342-B048-85BDC9FD1C3A}</a:tableStyleId>
+              </a:tblPr>
+              <a:tblGrid>
+                <a:gridCol w="1069810">
+                  <a:extLst>
+                    <a:ext uri="{9D8B030D-6E8A-4147-A177-3AD203B41FA5}">
+                      <a16:colId xmlns:a16="http://schemas.microsoft.com/office/drawing/2014/main" val="1854418466"/>
+                    </a:ext>
+                  </a:extLst>
+                </a:gridCol>
+                <a:gridCol w="1869486">
+                  <a:extLst>
+                    <a:ext uri="{9D8B030D-6E8A-4147-A177-3AD203B41FA5}">
+                      <a16:colId xmlns:a16="http://schemas.microsoft.com/office/drawing/2014/main" val="3790004698"/>
+                    </a:ext>
+                  </a:extLst>
+                </a:gridCol>
+                <a:gridCol w="4553469">
+                  <a:extLst>
+                    <a:ext uri="{9D8B030D-6E8A-4147-A177-3AD203B41FA5}">
+                      <a16:colId xmlns:a16="http://schemas.microsoft.com/office/drawing/2014/main" val="3511436323"/>
+                    </a:ext>
+                  </a:extLst>
+                </a:gridCol>
+                <a:gridCol w="2924472">
+                  <a:extLst>
+                    <a:ext uri="{9D8B030D-6E8A-4147-A177-3AD203B41FA5}">
+                      <a16:colId xmlns:a16="http://schemas.microsoft.com/office/drawing/2014/main" val="469483286"/>
+                    </a:ext>
+                  </a:extLst>
+                </a:gridCol>
+              </a:tblGrid>
+              <a:tr h="1160653">
+                <a:tc>
+                  <a:txBody>
+                    <a:bodyPr/>
+                    <a:lstStyle/>
+                    <a:p>
+                      <a:r>
+                        <a:rPr lang="es-ES" dirty="0"/>
+                        <a:t>CODIGO HISTORIA DE USUARIO</a:t>
+                      </a:r>
+                      <a:endParaRPr lang="es-CO" dirty="0"/>
+                    </a:p>
+                  </a:txBody>
+                  <a:tcPr>
+                    <a:solidFill>
+                      <a:schemeClr val="accent6"/>
+                    </a:solidFill>
+                  </a:tcPr>
+                </a:tc>
+                <a:tc>
+                  <a:txBody>
+                    <a:bodyPr/>
+                    <a:lstStyle/>
+                    <a:p>
+                      <a:r>
+                        <a:rPr lang="es-ES" dirty="0"/>
+                        <a:t>CODIGO CASO DE USO</a:t>
+                      </a:r>
+                      <a:endParaRPr lang="es-CO" dirty="0"/>
+                    </a:p>
+                  </a:txBody>
+                  <a:tcPr>
+                    <a:solidFill>
+                      <a:schemeClr val="accent6"/>
+                    </a:solidFill>
+                  </a:tcPr>
+                </a:tc>
+                <a:tc>
+                  <a:txBody>
+                    <a:bodyPr/>
+                    <a:lstStyle/>
+                    <a:p>
+                      <a:r>
+                        <a:rPr lang="es-ES" dirty="0"/>
+                        <a:t>HISTORIA DE USUARIO</a:t>
+                      </a:r>
+                      <a:endParaRPr lang="es-CO" dirty="0"/>
+                    </a:p>
+                  </a:txBody>
+                  <a:tcPr>
+                    <a:solidFill>
+                      <a:schemeClr val="accent6"/>
+                    </a:solidFill>
+                  </a:tcPr>
+                </a:tc>
+                <a:tc>
+                  <a:txBody>
+                    <a:bodyPr/>
+                    <a:lstStyle/>
+                    <a:p>
+                      <a:r>
+                        <a:rPr lang="es-ES" dirty="0"/>
+                        <a:t>CRITERIOS DE ACEPTACION</a:t>
+                      </a:r>
+                      <a:endParaRPr lang="es-CO" dirty="0"/>
+                    </a:p>
+                  </a:txBody>
+                  <a:tcPr>
+                    <a:solidFill>
+                      <a:schemeClr val="accent6"/>
+                    </a:solidFill>
+                  </a:tcPr>
+                </a:tc>
+                <a:extLst>
+                  <a:ext uri="{0D108BD9-81ED-4DB2-BD59-A6C34878D82A}">
+                    <a16:rowId xmlns:a16="http://schemas.microsoft.com/office/drawing/2014/main" val="1422645550"/>
+                  </a:ext>
+                </a:extLst>
+              </a:tr>
+              <a:tr h="1517777">
+                <a:tc>
+                  <a:txBody>
+                    <a:bodyPr/>
+                    <a:lstStyle/>
+                    <a:p>
+                      <a:r>
+                        <a:rPr lang="es-ES" dirty="0">
+                          <a:solidFill>
+                            <a:schemeClr val="bg1"/>
+                          </a:solidFill>
+                        </a:rPr>
+                        <a:t>US001</a:t>
+                      </a:r>
+                      <a:endParaRPr lang="es-CO" dirty="0">
+                        <a:solidFill>
+                          <a:schemeClr val="bg1"/>
+                        </a:solidFill>
+                      </a:endParaRPr>
+                    </a:p>
+                  </a:txBody>
+                  <a:tcPr>
+                    <a:solidFill>
+                      <a:schemeClr val="accent6"/>
+                    </a:solidFill>
+                  </a:tcPr>
+                </a:tc>
+                <a:tc>
+                  <a:txBody>
+                    <a:bodyPr/>
+                    <a:lstStyle/>
+                    <a:p>
+                      <a:r>
+                        <a:rPr lang="es-ES" dirty="0"/>
+                        <a:t>CU001</a:t>
+                      </a:r>
+                      <a:endParaRPr lang="es-CO" dirty="0"/>
+                    </a:p>
+                  </a:txBody>
+                  <a:tcPr/>
+                </a:tc>
+                <a:tc>
+                  <a:txBody>
+                    <a:bodyPr/>
+                    <a:lstStyle/>
+                    <a:p>
+                      <a:r>
+                        <a:rPr lang="es-ES" sz="1600" dirty="0"/>
+                        <a:t>COMO usuario NECESITO ingresar al sistema </a:t>
+                      </a:r>
+                      <a:endParaRPr lang="es-CO" sz="1600" dirty="0"/>
+                    </a:p>
+                  </a:txBody>
+                  <a:tcPr/>
+                </a:tc>
+                <a:tc>
+                  <a:txBody>
+                    <a:bodyPr/>
+                    <a:lstStyle/>
+                    <a:p>
+                      <a:r>
+                        <a:rPr lang="es-ES" sz="1600" dirty="0"/>
+                        <a:t>Escenarios: se puede ingresar al sistema </a:t>
+                      </a:r>
+                    </a:p>
+                    <a:p>
+                      <a:r>
+                        <a:rPr lang="es-ES" sz="1600" b="1" dirty="0"/>
+                        <a:t>Necesitamos</a:t>
+                      </a:r>
+                      <a:r>
+                        <a:rPr lang="es-ES" sz="1600" dirty="0"/>
+                        <a:t>: Correo electrónico, Nombre de usuario, fecha de nacimiento, contraseña</a:t>
+                      </a:r>
+                      <a:endParaRPr lang="es-CO" sz="1600" dirty="0"/>
+                    </a:p>
+                  </a:txBody>
+                  <a:tcPr/>
+                </a:tc>
+                <a:extLst>
+                  <a:ext uri="{0D108BD9-81ED-4DB2-BD59-A6C34878D82A}">
+                    <a16:rowId xmlns:a16="http://schemas.microsoft.com/office/drawing/2014/main" val="1880134330"/>
+                  </a:ext>
+                </a:extLst>
+              </a:tr>
+              <a:tr h="1041612">
+                <a:tc>
+                  <a:txBody>
+                    <a:bodyPr/>
+                    <a:lstStyle/>
+                    <a:p>
+                      <a:r>
+                        <a:rPr lang="es-ES" dirty="0">
+                          <a:solidFill>
+                            <a:schemeClr val="bg1"/>
+                          </a:solidFill>
+                        </a:rPr>
+                        <a:t>US002</a:t>
+                      </a:r>
+                      <a:endParaRPr lang="es-CO" dirty="0">
+                        <a:solidFill>
+                          <a:schemeClr val="bg1"/>
+                        </a:solidFill>
+                      </a:endParaRPr>
+                    </a:p>
+                  </a:txBody>
+                  <a:tcPr>
+                    <a:solidFill>
+                      <a:schemeClr val="accent6"/>
+                    </a:solidFill>
+                  </a:tcPr>
+                </a:tc>
+                <a:tc>
+                  <a:txBody>
+                    <a:bodyPr/>
+                    <a:lstStyle/>
+                    <a:p>
+                      <a:r>
+                        <a:rPr lang="es-ES" dirty="0"/>
+                        <a:t>CU002</a:t>
+                      </a:r>
+                      <a:endParaRPr lang="es-CO" dirty="0"/>
+                    </a:p>
+                  </a:txBody>
+                  <a:tcPr/>
+                </a:tc>
+                <a:tc>
+                  <a:txBody>
+                    <a:bodyPr/>
+                    <a:lstStyle/>
+                    <a:p>
+                      <a:r>
+                        <a:rPr lang="es-ES" sz="1600" dirty="0"/>
+                        <a:t>COMO usuario NECESITO recuperar la contraseña para poder ingresar en caso de olvidarla</a:t>
+                      </a:r>
+                      <a:endParaRPr lang="es-CO" sz="1600" dirty="0"/>
+                    </a:p>
+                  </a:txBody>
+                  <a:tcPr/>
+                </a:tc>
+                <a:tc>
+                  <a:txBody>
+                    <a:bodyPr/>
+                    <a:lstStyle/>
+                    <a:p>
+                      <a:r>
+                        <a:rPr lang="es-ES" sz="1600" dirty="0"/>
+                        <a:t>Escenarios: Se puede recuperar la contraseña olvidada</a:t>
+                      </a:r>
+                    </a:p>
+                    <a:p>
+                      <a:r>
+                        <a:rPr lang="es-ES" sz="1600" b="1" dirty="0"/>
+                        <a:t>Necesitamos</a:t>
+                      </a:r>
+                      <a:r>
+                        <a:rPr lang="es-ES" sz="1600" dirty="0"/>
+                        <a:t>:</a:t>
+                      </a:r>
+                    </a:p>
+                    <a:p>
+                      <a:r>
+                        <a:rPr lang="es-ES" sz="1600" dirty="0"/>
+                        <a:t>Correo electrónico</a:t>
+                      </a:r>
+                      <a:endParaRPr lang="es-CO" dirty="0"/>
+                    </a:p>
+                  </a:txBody>
+                  <a:tcPr/>
+                </a:tc>
+                <a:extLst>
+                  <a:ext uri="{0D108BD9-81ED-4DB2-BD59-A6C34878D82A}">
+                    <a16:rowId xmlns:a16="http://schemas.microsoft.com/office/drawing/2014/main" val="4215938332"/>
+                  </a:ext>
+                </a:extLst>
+              </a:tr>
+              <a:tr h="1279694">
+                <a:tc>
+                  <a:txBody>
+                    <a:bodyPr/>
+                    <a:lstStyle/>
+                    <a:p>
+                      <a:r>
+                        <a:rPr lang="es-ES" dirty="0">
+                          <a:solidFill>
+                            <a:schemeClr val="bg1"/>
+                          </a:solidFill>
+                        </a:rPr>
+                        <a:t>US003</a:t>
+                      </a:r>
+                      <a:endParaRPr lang="es-CO" dirty="0">
+                        <a:solidFill>
+                          <a:schemeClr val="bg1"/>
+                        </a:solidFill>
+                      </a:endParaRPr>
+                    </a:p>
+                  </a:txBody>
+                  <a:tcPr>
+                    <a:solidFill>
+                      <a:schemeClr val="accent6"/>
+                    </a:solidFill>
+                  </a:tcPr>
+                </a:tc>
+                <a:tc>
+                  <a:txBody>
+                    <a:bodyPr/>
+                    <a:lstStyle/>
+                    <a:p>
+                      <a:r>
+                        <a:rPr lang="es-ES" dirty="0"/>
+                        <a:t>CU003</a:t>
+                      </a:r>
+                      <a:endParaRPr lang="es-CO" dirty="0"/>
+                    </a:p>
+                  </a:txBody>
+                  <a:tcPr/>
+                </a:tc>
+                <a:tc>
+                  <a:txBody>
+                    <a:bodyPr/>
+                    <a:lstStyle/>
+                    <a:p>
+                      <a:r>
+                        <a:rPr lang="es-ES" dirty="0"/>
+                        <a:t>COMO Administrador NECESITO gestionar las ventas </a:t>
+                      </a:r>
+                      <a:endParaRPr lang="es-CO" dirty="0"/>
+                    </a:p>
+                  </a:txBody>
+                  <a:tcPr/>
+                </a:tc>
+                <a:tc>
+                  <a:txBody>
+                    <a:bodyPr/>
+                    <a:lstStyle/>
+                    <a:p>
+                      <a:r>
+                        <a:rPr lang="es-ES" sz="1600" dirty="0"/>
+                        <a:t>Escenarios: Se pueden crear editar, eliminar y cambiar los productos en venta</a:t>
+                      </a:r>
+                    </a:p>
+                    <a:p>
+                      <a:r>
+                        <a:rPr lang="es-ES" sz="1600" b="1" dirty="0"/>
+                        <a:t>Necesitamos</a:t>
+                      </a:r>
+                      <a:r>
+                        <a:rPr lang="es-ES" sz="1600" dirty="0"/>
+                        <a:t>:</a:t>
+                      </a:r>
+                    </a:p>
+                    <a:p>
+                      <a:r>
+                        <a:rPr lang="es-ES" sz="1600" dirty="0"/>
+                        <a:t>Opciones de administrador </a:t>
+                      </a:r>
+                    </a:p>
+                  </a:txBody>
+                  <a:tcPr/>
+                </a:tc>
+                <a:extLst>
+                  <a:ext uri="{0D108BD9-81ED-4DB2-BD59-A6C34878D82A}">
+                    <a16:rowId xmlns:a16="http://schemas.microsoft.com/office/drawing/2014/main" val="2759961755"/>
+                  </a:ext>
+                </a:extLst>
+              </a:tr>
+              <a:tr h="624967">
+                <a:tc>
+                  <a:txBody>
+                    <a:bodyPr/>
+                    <a:lstStyle/>
+                    <a:p>
+                      <a:r>
+                        <a:rPr lang="es-ES" dirty="0">
+                          <a:solidFill>
+                            <a:schemeClr val="bg1"/>
+                          </a:solidFill>
+                        </a:rPr>
+                        <a:t>US004</a:t>
+                      </a:r>
+                      <a:endParaRPr lang="es-CO" dirty="0">
+                        <a:solidFill>
+                          <a:schemeClr val="bg1"/>
+                        </a:solidFill>
+                      </a:endParaRPr>
+                    </a:p>
+                  </a:txBody>
+                  <a:tcPr>
+                    <a:solidFill>
+                      <a:schemeClr val="accent6"/>
+                    </a:solidFill>
+                  </a:tcPr>
+                </a:tc>
+                <a:tc>
+                  <a:txBody>
+                    <a:bodyPr/>
+                    <a:lstStyle/>
+                    <a:p>
+                      <a:r>
+                        <a:rPr lang="es-ES" dirty="0"/>
+                        <a:t>CU004</a:t>
+                      </a:r>
+                      <a:endParaRPr lang="es-CO" dirty="0"/>
+                    </a:p>
+                  </a:txBody>
+                  <a:tcPr/>
+                </a:tc>
+                <a:tc>
+                  <a:txBody>
+                    <a:bodyPr/>
+                    <a:lstStyle/>
+                    <a:p>
+                      <a:r>
+                        <a:rPr lang="es-ES" dirty="0"/>
+                        <a:t>COMO administrador NECESITO generar estadísticas de las ventas </a:t>
+                      </a:r>
+                      <a:endParaRPr lang="es-CO" dirty="0"/>
+                    </a:p>
+                  </a:txBody>
+                  <a:tcPr/>
+                </a:tc>
+                <a:tc>
+                  <a:txBody>
+                    <a:bodyPr/>
+                    <a:lstStyle/>
+                    <a:p>
+                      <a:endParaRPr lang="es-CO" dirty="0"/>
+                    </a:p>
+                  </a:txBody>
+                  <a:tcPr/>
+                </a:tc>
+                <a:extLst>
+                  <a:ext uri="{0D108BD9-81ED-4DB2-BD59-A6C34878D82A}">
+                    <a16:rowId xmlns:a16="http://schemas.microsoft.com/office/drawing/2014/main" val="3864823895"/>
+                  </a:ext>
+                </a:extLst>
+              </a:tr>
+            </a:tbl>
+          </a:graphicData>
+        </a:graphic>
+      </p:graphicFrame>
+    </p:spTree>
+    <p:extLst>
+      <p:ext uri="{BB962C8B-B14F-4D97-AF65-F5344CB8AC3E}">
+        <p14:creationId xmlns:p14="http://schemas.microsoft.com/office/powerpoint/2010/main" val="3506750429"/>
+      </p:ext>
+    </p:extLst>
+  </p:cSld>
+  <p:clrMapOvr>
+    <a:masterClrMapping/>
+  </p:clrMapOvr>
+</p:sld>
+</file>
+
+<file path=ppt/slides/slide23.xml><?xml version="1.0" encoding="utf-8"?>
+<p:sld xmlns:a="http://schemas.openxmlformats.org/drawingml/2006/main" xmlns:r="http://schemas.openxmlformats.org/officeDocument/2006/relationships" xmlns:p="http://schemas.openxmlformats.org/presentationml/2006/main">
+  <p:cSld>
+    <p:bg>
+      <p:bgPr>
+        <a:blipFill dpi="0" rotWithShape="1">
+          <a:blip r:embed="rId2">
+            <a:lum/>
+          </a:blip>
+          <a:srcRect/>
+          <a:stretch>
+            <a:fillRect/>
+          </a:stretch>
+        </a:blipFill>
+        <a:effectLst/>
+      </p:bgPr>
+    </p:bg>
+    <p:spTree>
+      <p:nvGrpSpPr>
+        <p:cNvPr id="1" name=""/>
+        <p:cNvGrpSpPr/>
+        <p:nvPr/>
+      </p:nvGrpSpPr>
+      <p:grpSpPr>
+        <a:xfrm>
+          <a:off x="0" y="0"/>
+          <a:ext cx="0" cy="0"/>
+          <a:chOff x="0" y="0"/>
+          <a:chExt cx="0" cy="0"/>
+        </a:xfrm>
+      </p:grpSpPr>
+      <p:graphicFrame>
+        <p:nvGraphicFramePr>
+          <p:cNvPr id="4" name="Tabla 3">
+            <a:extLst>
+              <a:ext uri="{FF2B5EF4-FFF2-40B4-BE49-F238E27FC236}">
+                <a16:creationId xmlns:a16="http://schemas.microsoft.com/office/drawing/2014/main" id="{48111D47-7862-614E-F4C2-5EA4A70E2BA4}"/>
+              </a:ext>
+            </a:extLst>
+          </p:cNvPr>
+          <p:cNvGraphicFramePr>
+            <a:graphicFrameLocks noGrp="1"/>
+          </p:cNvGraphicFramePr>
+          <p:nvPr>
+            <p:extLst>
+              <p:ext uri="{D42A27DB-BD31-4B8C-83A1-F6EECF244321}">
+                <p14:modId xmlns:p14="http://schemas.microsoft.com/office/powerpoint/2010/main" val="3496779068"/>
+              </p:ext>
+            </p:extLst>
+          </p:nvPr>
+        </p:nvGraphicFramePr>
+        <p:xfrm>
+          <a:off x="404916" y="203103"/>
+          <a:ext cx="10601439" cy="6451792"/>
+        </p:xfrm>
+        <a:graphic>
+          <a:graphicData uri="http://schemas.openxmlformats.org/drawingml/2006/table">
+            <a:tbl>
+              <a:tblPr firstRow="1" firstCol="1" bandRow="1">
+                <a:tableStyleId>{5C22544A-7EE6-4342-B048-85BDC9FD1C3A}</a:tableStyleId>
+              </a:tblPr>
+              <a:tblGrid>
+                <a:gridCol w="1488477">
+                  <a:extLst>
+                    <a:ext uri="{9D8B030D-6E8A-4147-A177-3AD203B41FA5}">
+                      <a16:colId xmlns:a16="http://schemas.microsoft.com/office/drawing/2014/main" val="259589353"/>
+                    </a:ext>
+                  </a:extLst>
+                </a:gridCol>
+                <a:gridCol w="1622106">
+                  <a:extLst>
+                    <a:ext uri="{9D8B030D-6E8A-4147-A177-3AD203B41FA5}">
+                      <a16:colId xmlns:a16="http://schemas.microsoft.com/office/drawing/2014/main" val="1793119380"/>
+                    </a:ext>
+                  </a:extLst>
+                </a:gridCol>
+                <a:gridCol w="3543915">
+                  <a:extLst>
+                    <a:ext uri="{9D8B030D-6E8A-4147-A177-3AD203B41FA5}">
+                      <a16:colId xmlns:a16="http://schemas.microsoft.com/office/drawing/2014/main" val="884031367"/>
+                    </a:ext>
+                  </a:extLst>
+                </a:gridCol>
+                <a:gridCol w="3946941">
+                  <a:extLst>
+                    <a:ext uri="{9D8B030D-6E8A-4147-A177-3AD203B41FA5}">
+                      <a16:colId xmlns:a16="http://schemas.microsoft.com/office/drawing/2014/main" val="66629647"/>
+                    </a:ext>
+                  </a:extLst>
+                </a:gridCol>
+              </a:tblGrid>
+              <a:tr h="1686550">
+                <a:tc>
+                  <a:txBody>
+                    <a:bodyPr/>
+                    <a:lstStyle/>
+                    <a:p>
+                      <a:pPr>
+                        <a:lnSpc>
+                          <a:spcPct val="107000"/>
+                        </a:lnSpc>
+                        <a:spcAft>
+                          <a:spcPts val="800"/>
+                        </a:spcAft>
+                      </a:pPr>
+                      <a:r>
+                        <a:rPr lang="es-419" sz="1800" dirty="0">
+                          <a:effectLst/>
+                        </a:rPr>
+                        <a:t>US005</a:t>
+                      </a:r>
+                      <a:endParaRPr lang="es-CO" sz="1800" dirty="0">
+                        <a:effectLst/>
+                        <a:latin typeface="Calibri" panose="020F0502020204030204" pitchFamily="34" charset="0"/>
+                        <a:ea typeface="Calibri" panose="020F0502020204030204" pitchFamily="34" charset="0"/>
+                        <a:cs typeface="Times New Roman" panose="02020603050405020304" pitchFamily="18" charset="0"/>
+                      </a:endParaRPr>
+                    </a:p>
+                  </a:txBody>
+                  <a:tcPr marL="68580" marR="68580" marT="0" marB="0">
+                    <a:solidFill>
+                      <a:schemeClr val="accent6"/>
+                    </a:solidFill>
+                  </a:tcPr>
+                </a:tc>
+                <a:tc>
+                  <a:txBody>
+                    <a:bodyPr/>
+                    <a:lstStyle/>
+                    <a:p>
+                      <a:pPr>
+                        <a:lnSpc>
+                          <a:spcPct val="107000"/>
+                        </a:lnSpc>
+                        <a:spcAft>
+                          <a:spcPts val="800"/>
+                        </a:spcAft>
+                      </a:pPr>
+                      <a:r>
+                        <a:rPr lang="es-419" sz="1800" b="0" dirty="0">
+                          <a:solidFill>
+                            <a:schemeClr val="tx1"/>
+                          </a:solidFill>
+                          <a:effectLst/>
+                        </a:rPr>
+                        <a:t>CU003</a:t>
+                      </a:r>
+                      <a:endParaRPr lang="es-CO" sz="1800" b="0" dirty="0">
+                        <a:solidFill>
+                          <a:schemeClr val="tx1"/>
+                        </a:solidFill>
+                        <a:effectLst/>
+                        <a:latin typeface="Calibri" panose="020F0502020204030204" pitchFamily="34" charset="0"/>
+                        <a:ea typeface="Calibri" panose="020F0502020204030204" pitchFamily="34" charset="0"/>
+                        <a:cs typeface="Times New Roman" panose="02020603050405020304" pitchFamily="18" charset="0"/>
+                      </a:endParaRPr>
+                    </a:p>
+                  </a:txBody>
+                  <a:tcPr marL="68580" marR="68580" marT="0" marB="0">
+                    <a:solidFill>
+                      <a:schemeClr val="bg1">
+                        <a:lumMod val="95000"/>
+                      </a:schemeClr>
+                    </a:solidFill>
+                  </a:tcPr>
+                </a:tc>
+                <a:tc>
+                  <a:txBody>
+                    <a:bodyPr/>
+                    <a:lstStyle/>
+                    <a:p>
+                      <a:pPr>
+                        <a:lnSpc>
+                          <a:spcPct val="107000"/>
+                        </a:lnSpc>
+                        <a:spcAft>
+                          <a:spcPts val="800"/>
+                        </a:spcAft>
+                      </a:pPr>
+                      <a:r>
+                        <a:rPr lang="es-419" sz="1800" b="0" dirty="0">
+                          <a:solidFill>
+                            <a:schemeClr val="tx1"/>
+                          </a:solidFill>
+                          <a:effectLst/>
+                        </a:rPr>
+                        <a:t>COMO usuario NECESITO salir del sistema.</a:t>
+                      </a:r>
+                      <a:endParaRPr lang="es-CO" sz="1800" b="0" dirty="0">
+                        <a:solidFill>
+                          <a:schemeClr val="tx1"/>
+                        </a:solidFill>
+                        <a:effectLst/>
+                        <a:latin typeface="Calibri" panose="020F0502020204030204" pitchFamily="34" charset="0"/>
+                        <a:ea typeface="Calibri" panose="020F0502020204030204" pitchFamily="34" charset="0"/>
+                        <a:cs typeface="Times New Roman" panose="02020603050405020304" pitchFamily="18" charset="0"/>
+                      </a:endParaRPr>
+                    </a:p>
+                  </a:txBody>
+                  <a:tcPr marL="68580" marR="68580" marT="0" marB="0">
+                    <a:solidFill>
+                      <a:schemeClr val="bg1">
+                        <a:lumMod val="95000"/>
+                      </a:schemeClr>
+                    </a:solidFill>
+                  </a:tcPr>
+                </a:tc>
+                <a:tc>
+                  <a:txBody>
+                    <a:bodyPr/>
+                    <a:lstStyle/>
+                    <a:p>
+                      <a:pPr>
+                        <a:lnSpc>
+                          <a:spcPct val="107000"/>
+                        </a:lnSpc>
+                        <a:spcAft>
+                          <a:spcPts val="800"/>
+                        </a:spcAft>
+                      </a:pPr>
+                      <a:r>
+                        <a:rPr lang="es-419" sz="1800" b="0" dirty="0">
+                          <a:solidFill>
+                            <a:schemeClr val="tx1"/>
+                          </a:solidFill>
+                          <a:effectLst/>
+                        </a:rPr>
+                        <a:t>ESCENARIOS:</a:t>
+                      </a:r>
+                      <a:endParaRPr lang="es-CO" sz="1800" b="0" dirty="0">
+                        <a:solidFill>
+                          <a:schemeClr val="tx1"/>
+                        </a:solidFill>
+                        <a:effectLst/>
+                      </a:endParaRPr>
+                    </a:p>
+                    <a:p>
+                      <a:pPr>
+                        <a:lnSpc>
+                          <a:spcPct val="107000"/>
+                        </a:lnSpc>
+                        <a:spcAft>
+                          <a:spcPts val="800"/>
+                        </a:spcAft>
+                      </a:pPr>
+                      <a:r>
+                        <a:rPr lang="es-419" sz="1800" b="0" dirty="0">
+                          <a:solidFill>
+                            <a:schemeClr val="tx1"/>
+                          </a:solidFill>
+                          <a:effectLst/>
+                        </a:rPr>
+                        <a:t>Se puede salir de forma segura del sistema de horarios.</a:t>
+                      </a:r>
+                      <a:endParaRPr lang="es-CO" sz="1800" b="0" dirty="0">
+                        <a:solidFill>
+                          <a:schemeClr val="tx1"/>
+                        </a:solidFill>
+                        <a:effectLst/>
+                      </a:endParaRPr>
+                    </a:p>
+                    <a:p>
+                      <a:pPr>
+                        <a:lnSpc>
+                          <a:spcPct val="107000"/>
+                        </a:lnSpc>
+                        <a:spcAft>
+                          <a:spcPts val="800"/>
+                        </a:spcAft>
+                      </a:pPr>
+                      <a:r>
+                        <a:rPr lang="es-419" sz="1800" b="0" dirty="0">
+                          <a:solidFill>
+                            <a:schemeClr val="tx1"/>
+                          </a:solidFill>
+                          <a:effectLst/>
+                        </a:rPr>
+                        <a:t>Necesitamos:</a:t>
+                      </a:r>
+                      <a:endParaRPr lang="es-CO" sz="1800" b="0" dirty="0">
+                        <a:solidFill>
+                          <a:schemeClr val="tx1"/>
+                        </a:solidFill>
+                        <a:effectLst/>
+                      </a:endParaRPr>
+                    </a:p>
+                    <a:p>
+                      <a:pPr>
+                        <a:lnSpc>
+                          <a:spcPct val="107000"/>
+                        </a:lnSpc>
+                        <a:spcAft>
+                          <a:spcPts val="800"/>
+                        </a:spcAft>
+                      </a:pPr>
+                      <a:r>
+                        <a:rPr lang="es-419" sz="1800" b="0" dirty="0">
+                          <a:solidFill>
+                            <a:schemeClr val="tx1"/>
+                          </a:solidFill>
+                          <a:effectLst/>
+                        </a:rPr>
+                        <a:t>Salir del sistema.</a:t>
+                      </a:r>
+                      <a:endParaRPr lang="es-CO" sz="1800" b="0" dirty="0">
+                        <a:solidFill>
+                          <a:schemeClr val="tx1"/>
+                        </a:solidFill>
+                        <a:effectLst/>
+                        <a:latin typeface="Calibri" panose="020F0502020204030204" pitchFamily="34" charset="0"/>
+                        <a:ea typeface="Calibri" panose="020F0502020204030204" pitchFamily="34" charset="0"/>
+                        <a:cs typeface="Times New Roman" panose="02020603050405020304" pitchFamily="18" charset="0"/>
+                      </a:endParaRPr>
+                    </a:p>
+                  </a:txBody>
+                  <a:tcPr marL="68580" marR="68580" marT="0" marB="0">
+                    <a:solidFill>
+                      <a:schemeClr val="bg1">
+                        <a:lumMod val="95000"/>
+                      </a:schemeClr>
+                    </a:solidFill>
+                  </a:tcPr>
+                </a:tc>
+                <a:extLst>
+                  <a:ext uri="{0D108BD9-81ED-4DB2-BD59-A6C34878D82A}">
+                    <a16:rowId xmlns:a16="http://schemas.microsoft.com/office/drawing/2014/main" val="2672813399"/>
+                  </a:ext>
+                </a:extLst>
+              </a:tr>
+              <a:tr h="2530647">
+                <a:tc>
+                  <a:txBody>
+                    <a:bodyPr/>
+                    <a:lstStyle/>
+                    <a:p>
+                      <a:pPr>
+                        <a:lnSpc>
+                          <a:spcPct val="107000"/>
+                        </a:lnSpc>
+                        <a:spcAft>
+                          <a:spcPts val="800"/>
+                        </a:spcAft>
+                      </a:pPr>
+                      <a:r>
+                        <a:rPr lang="es-419" sz="1800" dirty="0">
+                          <a:effectLst/>
+                        </a:rPr>
+                        <a:t>US006</a:t>
+                      </a:r>
+                      <a:endParaRPr lang="es-CO" sz="1800" dirty="0">
+                        <a:effectLst/>
+                        <a:latin typeface="Calibri" panose="020F0502020204030204" pitchFamily="34" charset="0"/>
+                        <a:ea typeface="Calibri" panose="020F0502020204030204" pitchFamily="34" charset="0"/>
+                        <a:cs typeface="Times New Roman" panose="02020603050405020304" pitchFamily="18" charset="0"/>
+                      </a:endParaRPr>
+                    </a:p>
+                  </a:txBody>
+                  <a:tcPr marL="68580" marR="68580" marT="0" marB="0">
+                    <a:solidFill>
+                      <a:schemeClr val="accent6"/>
+                    </a:solidFill>
+                  </a:tcPr>
+                </a:tc>
+                <a:tc>
+                  <a:txBody>
+                    <a:bodyPr/>
+                    <a:lstStyle/>
+                    <a:p>
+                      <a:pPr>
+                        <a:lnSpc>
+                          <a:spcPct val="107000"/>
+                        </a:lnSpc>
+                        <a:spcAft>
+                          <a:spcPts val="800"/>
+                        </a:spcAft>
+                      </a:pPr>
+                      <a:r>
+                        <a:rPr lang="es-419" sz="1800" dirty="0">
+                          <a:effectLst/>
+                        </a:rPr>
+                        <a:t>CU004</a:t>
+                      </a:r>
+                      <a:endParaRPr lang="es-CO" sz="1800" dirty="0">
+                        <a:effectLst/>
+                        <a:latin typeface="Calibri" panose="020F0502020204030204" pitchFamily="34" charset="0"/>
+                        <a:ea typeface="Calibri" panose="020F0502020204030204" pitchFamily="34" charset="0"/>
+                        <a:cs typeface="Times New Roman" panose="02020603050405020304" pitchFamily="18" charset="0"/>
+                      </a:endParaRPr>
+                    </a:p>
+                  </a:txBody>
+                  <a:tcPr marL="68580" marR="68580" marT="0" marB="0"/>
+                </a:tc>
+                <a:tc>
+                  <a:txBody>
+                    <a:bodyPr/>
+                    <a:lstStyle/>
+                    <a:p>
+                      <a:pPr>
+                        <a:lnSpc>
+                          <a:spcPct val="107000"/>
+                        </a:lnSpc>
+                        <a:spcAft>
+                          <a:spcPts val="800"/>
+                        </a:spcAft>
+                      </a:pPr>
+                      <a:r>
+                        <a:rPr lang="es-419" sz="1800">
+                          <a:effectLst/>
+                        </a:rPr>
+                        <a:t>COMO Líder NECESITO administrar los programas de formación PARA poder hacer los horarios</a:t>
+                      </a:r>
+                      <a:endParaRPr lang="es-CO" sz="1800">
+                        <a:effectLst/>
+                        <a:latin typeface="Calibri" panose="020F0502020204030204" pitchFamily="34" charset="0"/>
+                        <a:ea typeface="Calibri" panose="020F0502020204030204" pitchFamily="34" charset="0"/>
+                        <a:cs typeface="Times New Roman" panose="02020603050405020304" pitchFamily="18" charset="0"/>
+                      </a:endParaRPr>
+                    </a:p>
+                  </a:txBody>
+                  <a:tcPr marL="68580" marR="68580" marT="0" marB="0"/>
+                </a:tc>
+                <a:tc>
+                  <a:txBody>
+                    <a:bodyPr/>
+                    <a:lstStyle/>
+                    <a:p>
+                      <a:pPr>
+                        <a:lnSpc>
+                          <a:spcPct val="107000"/>
+                        </a:lnSpc>
+                        <a:spcAft>
+                          <a:spcPts val="800"/>
+                        </a:spcAft>
+                      </a:pPr>
+                      <a:r>
+                        <a:rPr lang="es-419" sz="1800">
+                          <a:effectLst/>
+                        </a:rPr>
+                        <a:t>ESCENARIOS:</a:t>
+                      </a:r>
+                      <a:endParaRPr lang="es-CO" sz="1800">
+                        <a:effectLst/>
+                      </a:endParaRPr>
+                    </a:p>
+                    <a:p>
+                      <a:pPr>
+                        <a:lnSpc>
+                          <a:spcPct val="107000"/>
+                        </a:lnSpc>
+                        <a:spcAft>
+                          <a:spcPts val="800"/>
+                        </a:spcAft>
+                      </a:pPr>
+                      <a:r>
+                        <a:rPr lang="es-419" sz="1800">
+                          <a:effectLst/>
+                        </a:rPr>
+                        <a:t>Se pueden crear, modificar, eliminar y visualizar los programas de formación.</a:t>
+                      </a:r>
+                      <a:endParaRPr lang="es-CO" sz="1800">
+                        <a:effectLst/>
+                      </a:endParaRPr>
+                    </a:p>
+                    <a:p>
+                      <a:pPr>
+                        <a:lnSpc>
+                          <a:spcPct val="107000"/>
+                        </a:lnSpc>
+                        <a:spcAft>
+                          <a:spcPts val="800"/>
+                        </a:spcAft>
+                      </a:pPr>
+                      <a:r>
+                        <a:rPr lang="es-419" sz="1800">
+                          <a:effectLst/>
+                        </a:rPr>
+                        <a:t>Necesitamos:</a:t>
+                      </a:r>
+                      <a:endParaRPr lang="es-CO" sz="1800">
+                        <a:effectLst/>
+                      </a:endParaRPr>
+                    </a:p>
+                    <a:p>
+                      <a:pPr>
+                        <a:lnSpc>
+                          <a:spcPct val="107000"/>
+                        </a:lnSpc>
+                        <a:spcAft>
+                          <a:spcPts val="800"/>
+                        </a:spcAft>
+                      </a:pPr>
+                      <a:r>
+                        <a:rPr lang="es-419" sz="1800">
+                          <a:effectLst/>
+                        </a:rPr>
+                        <a:t>Código de programa, nombre de programa, versión del programa, sigla, estado (en ejecución o suspendido) y nivel de formación.</a:t>
+                      </a:r>
+                      <a:endParaRPr lang="es-CO" sz="1800">
+                        <a:effectLst/>
+                        <a:latin typeface="Calibri" panose="020F0502020204030204" pitchFamily="34" charset="0"/>
+                        <a:ea typeface="Calibri" panose="020F0502020204030204" pitchFamily="34" charset="0"/>
+                        <a:cs typeface="Times New Roman" panose="02020603050405020304" pitchFamily="18" charset="0"/>
+                      </a:endParaRPr>
+                    </a:p>
+                  </a:txBody>
+                  <a:tcPr marL="68580" marR="68580" marT="0" marB="0"/>
+                </a:tc>
+                <a:extLst>
+                  <a:ext uri="{0D108BD9-81ED-4DB2-BD59-A6C34878D82A}">
+                    <a16:rowId xmlns:a16="http://schemas.microsoft.com/office/drawing/2014/main" val="3779118241"/>
+                  </a:ext>
+                </a:extLst>
+              </a:tr>
+              <a:tr h="1967916">
+                <a:tc>
+                  <a:txBody>
+                    <a:bodyPr/>
+                    <a:lstStyle/>
+                    <a:p>
+                      <a:pPr>
+                        <a:lnSpc>
+                          <a:spcPct val="107000"/>
+                        </a:lnSpc>
+                        <a:spcAft>
+                          <a:spcPts val="800"/>
+                        </a:spcAft>
+                      </a:pPr>
+                      <a:r>
+                        <a:rPr lang="es-419" sz="1800" dirty="0">
+                          <a:effectLst/>
+                        </a:rPr>
+                        <a:t>US007</a:t>
+                      </a:r>
+                      <a:endParaRPr lang="es-CO" sz="1800" dirty="0">
+                        <a:effectLst/>
+                        <a:latin typeface="Calibri" panose="020F0502020204030204" pitchFamily="34" charset="0"/>
+                        <a:ea typeface="Calibri" panose="020F0502020204030204" pitchFamily="34" charset="0"/>
+                        <a:cs typeface="Times New Roman" panose="02020603050405020304" pitchFamily="18" charset="0"/>
+                      </a:endParaRPr>
+                    </a:p>
+                  </a:txBody>
+                  <a:tcPr marL="68580" marR="68580" marT="0" marB="0">
+                    <a:solidFill>
+                      <a:schemeClr val="accent6"/>
+                    </a:solidFill>
+                  </a:tcPr>
+                </a:tc>
+                <a:tc>
+                  <a:txBody>
+                    <a:bodyPr/>
+                    <a:lstStyle/>
+                    <a:p>
+                      <a:pPr>
+                        <a:lnSpc>
+                          <a:spcPct val="107000"/>
+                        </a:lnSpc>
+                        <a:spcAft>
+                          <a:spcPts val="800"/>
+                        </a:spcAft>
+                      </a:pPr>
+                      <a:r>
+                        <a:rPr lang="es-419" sz="1800" dirty="0">
+                          <a:effectLst/>
+                        </a:rPr>
+                        <a:t>CU005</a:t>
+                      </a:r>
+                      <a:endParaRPr lang="es-CO" sz="1800" dirty="0">
+                        <a:effectLst/>
+                        <a:latin typeface="Calibri" panose="020F0502020204030204" pitchFamily="34" charset="0"/>
+                        <a:ea typeface="Calibri" panose="020F0502020204030204" pitchFamily="34" charset="0"/>
+                        <a:cs typeface="Times New Roman" panose="02020603050405020304" pitchFamily="18" charset="0"/>
+                      </a:endParaRPr>
+                    </a:p>
+                  </a:txBody>
+                  <a:tcPr marL="68580" marR="68580" marT="0" marB="0"/>
+                </a:tc>
+                <a:tc>
+                  <a:txBody>
+                    <a:bodyPr/>
+                    <a:lstStyle/>
+                    <a:p>
+                      <a:pPr>
+                        <a:lnSpc>
+                          <a:spcPct val="107000"/>
+                        </a:lnSpc>
+                        <a:spcAft>
+                          <a:spcPts val="800"/>
+                        </a:spcAft>
+                      </a:pPr>
+                      <a:r>
+                        <a:rPr lang="es-419" sz="1800">
+                          <a:effectLst/>
+                        </a:rPr>
+                        <a:t>COMO líder NECESITO administrar niveles de formación.</a:t>
+                      </a:r>
+                      <a:endParaRPr lang="es-CO" sz="1800">
+                        <a:effectLst/>
+                        <a:latin typeface="Calibri" panose="020F0502020204030204" pitchFamily="34" charset="0"/>
+                        <a:ea typeface="Calibri" panose="020F0502020204030204" pitchFamily="34" charset="0"/>
+                        <a:cs typeface="Times New Roman" panose="02020603050405020304" pitchFamily="18" charset="0"/>
+                      </a:endParaRPr>
+                    </a:p>
+                  </a:txBody>
+                  <a:tcPr marL="68580" marR="68580" marT="0" marB="0"/>
+                </a:tc>
+                <a:tc>
+                  <a:txBody>
+                    <a:bodyPr/>
+                    <a:lstStyle/>
+                    <a:p>
+                      <a:pPr>
+                        <a:lnSpc>
+                          <a:spcPct val="107000"/>
+                        </a:lnSpc>
+                        <a:spcAft>
+                          <a:spcPts val="800"/>
+                        </a:spcAft>
+                      </a:pPr>
+                      <a:r>
+                        <a:rPr lang="es-419" sz="1800" dirty="0">
+                          <a:effectLst/>
+                        </a:rPr>
+                        <a:t>ESCENARIOS:</a:t>
+                      </a:r>
+                      <a:endParaRPr lang="es-CO" sz="1800" dirty="0">
+                        <a:effectLst/>
+                      </a:endParaRPr>
+                    </a:p>
+                    <a:p>
+                      <a:pPr>
+                        <a:lnSpc>
+                          <a:spcPct val="107000"/>
+                        </a:lnSpc>
+                        <a:spcAft>
+                          <a:spcPts val="800"/>
+                        </a:spcAft>
+                      </a:pPr>
+                      <a:r>
+                        <a:rPr lang="es-419" sz="1800" dirty="0">
+                          <a:effectLst/>
+                        </a:rPr>
+                        <a:t>Se pueden crear, modificar, eliminar y visualizar los niveles de formación.</a:t>
+                      </a:r>
+                      <a:endParaRPr lang="es-CO" sz="1800" dirty="0">
+                        <a:effectLst/>
+                      </a:endParaRPr>
+                    </a:p>
+                    <a:p>
+                      <a:pPr>
+                        <a:lnSpc>
+                          <a:spcPct val="107000"/>
+                        </a:lnSpc>
+                        <a:spcAft>
+                          <a:spcPts val="800"/>
+                        </a:spcAft>
+                      </a:pPr>
+                      <a:r>
+                        <a:rPr lang="es-419" sz="1800" dirty="0">
+                          <a:effectLst/>
+                        </a:rPr>
+                        <a:t>Necesitamos:</a:t>
+                      </a:r>
+                      <a:endParaRPr lang="es-CO" sz="1800" dirty="0">
+                        <a:effectLst/>
+                      </a:endParaRPr>
+                    </a:p>
+                    <a:p>
+                      <a:pPr>
+                        <a:lnSpc>
+                          <a:spcPct val="107000"/>
+                        </a:lnSpc>
+                        <a:spcAft>
+                          <a:spcPts val="800"/>
+                        </a:spcAft>
+                      </a:pPr>
+                      <a:r>
+                        <a:rPr lang="es-419" sz="1800" dirty="0">
+                          <a:effectLst/>
+                        </a:rPr>
+                        <a:t>Niveles de formación, (técnico, tecnólogo), estado</a:t>
+                      </a:r>
+                      <a:endParaRPr lang="es-CO" sz="1800" dirty="0">
+                        <a:effectLst/>
+                        <a:latin typeface="Calibri" panose="020F0502020204030204" pitchFamily="34" charset="0"/>
+                        <a:ea typeface="Calibri" panose="020F0502020204030204" pitchFamily="34" charset="0"/>
+                        <a:cs typeface="Times New Roman" panose="02020603050405020304" pitchFamily="18" charset="0"/>
+                      </a:endParaRPr>
+                    </a:p>
+                  </a:txBody>
+                  <a:tcPr marL="68580" marR="68580" marT="0" marB="0"/>
+                </a:tc>
+                <a:extLst>
+                  <a:ext uri="{0D108BD9-81ED-4DB2-BD59-A6C34878D82A}">
+                    <a16:rowId xmlns:a16="http://schemas.microsoft.com/office/drawing/2014/main" val="2426386373"/>
+                  </a:ext>
+                </a:extLst>
+              </a:tr>
+            </a:tbl>
+          </a:graphicData>
+        </a:graphic>
+      </p:graphicFrame>
+    </p:spTree>
+    <p:extLst>
+      <p:ext uri="{BB962C8B-B14F-4D97-AF65-F5344CB8AC3E}">
+        <p14:creationId xmlns:p14="http://schemas.microsoft.com/office/powerpoint/2010/main" val="3468446805"/>
+      </p:ext>
+    </p:extLst>
+  </p:cSld>
+  <p:clrMapOvr>
+    <a:masterClrMapping/>
+  </p:clrMapOvr>
+</p:sld>
+</file>
+
+<file path=ppt/slides/slide24.xml><?xml version="1.0" encoding="utf-8"?>
+<p:sld xmlns:a="http://schemas.openxmlformats.org/drawingml/2006/main" xmlns:r="http://schemas.openxmlformats.org/officeDocument/2006/relationships" xmlns:p="http://schemas.openxmlformats.org/presentationml/2006/main">
+  <p:cSld>
+    <p:bg>
+      <p:bgPr>
+        <a:blipFill dpi="0" rotWithShape="1">
+          <a:blip r:embed="rId2">
+            <a:lum/>
+          </a:blip>
+          <a:srcRect/>
+          <a:stretch>
+            <a:fillRect/>
+          </a:stretch>
+        </a:blipFill>
+        <a:effectLst/>
+      </p:bgPr>
+    </p:bg>
+    <p:spTree>
+      <p:nvGrpSpPr>
+        <p:cNvPr id="1" name=""/>
+        <p:cNvGrpSpPr/>
+        <p:nvPr/>
+      </p:nvGrpSpPr>
+      <p:grpSpPr>
+        <a:xfrm>
+          <a:off x="0" y="0"/>
+          <a:ext cx="0" cy="0"/>
+          <a:chOff x="0" y="0"/>
+          <a:chExt cx="0" cy="0"/>
+        </a:xfrm>
+      </p:grpSpPr>
+      <p:sp>
+        <p:nvSpPr>
+          <p:cNvPr id="2" name="CuadroTexto 1">
+            <a:extLst>
+              <a:ext uri="{FF2B5EF4-FFF2-40B4-BE49-F238E27FC236}">
+                <a16:creationId xmlns:a16="http://schemas.microsoft.com/office/drawing/2014/main" id="{91FEF253-53C4-B5FA-07C7-0B039B14F52F}"/>
+              </a:ext>
+            </a:extLst>
+          </p:cNvPr>
+          <p:cNvSpPr txBox="1"/>
+          <p:nvPr/>
+        </p:nvSpPr>
+        <p:spPr>
+          <a:xfrm>
+            <a:off x="-895727" y="438791"/>
+            <a:ext cx="12120196" cy="769441"/>
+          </a:xfrm>
+          <a:prstGeom prst="rect">
+            <a:avLst/>
+          </a:prstGeom>
+          <a:noFill/>
+        </p:spPr>
+        <p:txBody>
+          <a:bodyPr wrap="square" rtlCol="0">
+            <a:spAutoFit/>
+          </a:bodyPr>
+          <a:lstStyle/>
+          <a:p>
+            <a:r>
+              <a:rPr lang="es-CO" sz="4400" b="1" dirty="0">
+                <a:solidFill>
+                  <a:srgbClr val="38AA00"/>
+                </a:solidFill>
+                <a:latin typeface="WORK SANS BOLD ROMAN" pitchFamily="2" charset="77"/>
+              </a:rPr>
+              <a:t>		Mockups</a:t>
+            </a:r>
+            <a:endParaRPr lang="es-CO" sz="4000" b="1" dirty="0">
+              <a:solidFill>
+                <a:srgbClr val="38AA00"/>
+              </a:solidFill>
+              <a:latin typeface="Times New Roman" panose="02020603050405020304" pitchFamily="18" charset="0"/>
+              <a:cs typeface="Times New Roman" panose="02020603050405020304" pitchFamily="18" charset="0"/>
+            </a:endParaRPr>
+          </a:p>
+        </p:txBody>
+      </p:sp>
+      <p:cxnSp>
+        <p:nvCxnSpPr>
+          <p:cNvPr id="3" name="Conector recto 2">
+            <a:extLst>
+              <a:ext uri="{FF2B5EF4-FFF2-40B4-BE49-F238E27FC236}">
+                <a16:creationId xmlns:a16="http://schemas.microsoft.com/office/drawing/2014/main" id="{AE0C963B-97B4-4F66-1B49-0B47BC7F0F1A}"/>
+              </a:ext>
+            </a:extLst>
+          </p:cNvPr>
+          <p:cNvCxnSpPr>
+            <a:cxnSpLocks/>
+          </p:cNvCxnSpPr>
+          <p:nvPr/>
+        </p:nvCxnSpPr>
+        <p:spPr>
+          <a:xfrm>
+            <a:off x="950112" y="1189650"/>
+            <a:ext cx="2247544" cy="0"/>
+          </a:xfrm>
+          <a:prstGeom prst="line">
+            <a:avLst/>
+          </a:prstGeom>
+          <a:ln w="12700">
+            <a:solidFill>
+              <a:srgbClr val="38AA00"/>
+            </a:solidFill>
+          </a:ln>
+        </p:spPr>
+        <p:style>
+          <a:lnRef idx="1">
+            <a:schemeClr val="accent1"/>
+          </a:lnRef>
+          <a:fillRef idx="0">
+            <a:schemeClr val="accent1"/>
+          </a:fillRef>
+          <a:effectRef idx="0">
+            <a:schemeClr val="accent1"/>
+          </a:effectRef>
+          <a:fontRef idx="minor">
+            <a:schemeClr val="tx1"/>
+          </a:fontRef>
+        </p:style>
+      </p:cxnSp>
+      <p:sp>
+        <p:nvSpPr>
+          <p:cNvPr id="5" name="CuadroTexto 4">
+            <a:extLst>
+              <a:ext uri="{FF2B5EF4-FFF2-40B4-BE49-F238E27FC236}">
+                <a16:creationId xmlns:a16="http://schemas.microsoft.com/office/drawing/2014/main" id="{7ED86FA8-FAC0-1228-FDA1-04E4CDCC3C99}"/>
+              </a:ext>
+            </a:extLst>
+          </p:cNvPr>
+          <p:cNvSpPr txBox="1"/>
+          <p:nvPr/>
+        </p:nvSpPr>
+        <p:spPr>
+          <a:xfrm>
+            <a:off x="847290" y="1400853"/>
+            <a:ext cx="6459522" cy="369332"/>
+          </a:xfrm>
+          <a:prstGeom prst="rect">
+            <a:avLst/>
+          </a:prstGeom>
+          <a:noFill/>
+        </p:spPr>
+        <p:txBody>
+          <a:bodyPr wrap="square">
+            <a:spAutoFit/>
+          </a:bodyPr>
+          <a:lstStyle/>
+          <a:p>
+            <a:r>
+              <a:rPr lang="es-CO" dirty="0"/>
+              <a:t>https://balsamiq.cloud/so6p1a7/p8zkyv4/r9DE6</a:t>
+            </a:r>
+          </a:p>
+        </p:txBody>
+      </p:sp>
+      <p:pic>
+        <p:nvPicPr>
+          <p:cNvPr id="6" name="Imagen 5">
+            <a:extLst>
+              <a:ext uri="{FF2B5EF4-FFF2-40B4-BE49-F238E27FC236}">
+                <a16:creationId xmlns:a16="http://schemas.microsoft.com/office/drawing/2014/main" id="{378EB914-0C11-88B3-09B8-515AD1C29C0A}"/>
+              </a:ext>
+            </a:extLst>
+          </p:cNvPr>
+          <p:cNvPicPr>
+            <a:picLocks noChangeAspect="1"/>
+          </p:cNvPicPr>
+          <p:nvPr/>
+        </p:nvPicPr>
+        <p:blipFill>
+          <a:blip r:embed="rId3"/>
+          <a:stretch>
+            <a:fillRect/>
+          </a:stretch>
+        </p:blipFill>
+        <p:spPr>
+          <a:xfrm>
+            <a:off x="1572220" y="1764590"/>
+            <a:ext cx="8764223" cy="4836017"/>
+          </a:xfrm>
+          <a:prstGeom prst="rect">
+            <a:avLst/>
+          </a:prstGeom>
+        </p:spPr>
+      </p:pic>
+    </p:spTree>
+    <p:extLst>
+      <p:ext uri="{BB962C8B-B14F-4D97-AF65-F5344CB8AC3E}">
+        <p14:creationId xmlns:p14="http://schemas.microsoft.com/office/powerpoint/2010/main" val="1015411362"/>
+      </p:ext>
+    </p:extLst>
+  </p:cSld>
+  <p:clrMapOvr>
+    <a:masterClrMapping/>
+  </p:clrMapOvr>
+</p:sld>
+</file>
+
+<file path=ppt/slides/slide25.xml><?xml version="1.0" encoding="utf-8"?>
+<p:sld xmlns:a="http://schemas.openxmlformats.org/drawingml/2006/main" xmlns:r="http://schemas.openxmlformats.org/officeDocument/2006/relationships" xmlns:p="http://schemas.openxmlformats.org/presentationml/2006/main">
+  <p:cSld>
+    <p:bg>
+      <p:bgPr>
+        <a:blipFill dpi="0" rotWithShape="1">
+          <a:blip r:embed="rId2">
+            <a:lum/>
+          </a:blip>
+          <a:srcRect/>
+          <a:stretch>
+            <a:fillRect/>
+          </a:stretch>
+        </a:blipFill>
+        <a:effectLst/>
+      </p:bgPr>
+    </p:bg>
+    <p:spTree>
+      <p:nvGrpSpPr>
+        <p:cNvPr id="1" name=""/>
+        <p:cNvGrpSpPr/>
+        <p:nvPr/>
+      </p:nvGrpSpPr>
+      <p:grpSpPr>
+        <a:xfrm>
+          <a:off x="0" y="0"/>
+          <a:ext cx="0" cy="0"/>
+          <a:chOff x="0" y="0"/>
+          <a:chExt cx="0" cy="0"/>
+        </a:xfrm>
+      </p:grpSpPr>
+      <p:sp>
+        <p:nvSpPr>
+          <p:cNvPr id="2" name="CuadroTexto 1">
+            <a:extLst>
+              <a:ext uri="{FF2B5EF4-FFF2-40B4-BE49-F238E27FC236}">
+                <a16:creationId xmlns:a16="http://schemas.microsoft.com/office/drawing/2014/main" id="{91FEF253-53C4-B5FA-07C7-0B039B14F52F}"/>
+              </a:ext>
+            </a:extLst>
+          </p:cNvPr>
+          <p:cNvSpPr txBox="1"/>
+          <p:nvPr/>
+        </p:nvSpPr>
+        <p:spPr>
+          <a:xfrm>
+            <a:off x="-727947" y="748064"/>
+            <a:ext cx="12120196" cy="769441"/>
+          </a:xfrm>
+          <a:prstGeom prst="rect">
+            <a:avLst/>
+          </a:prstGeom>
+          <a:noFill/>
+        </p:spPr>
+        <p:txBody>
+          <a:bodyPr wrap="square" rtlCol="0">
+            <a:spAutoFit/>
+          </a:bodyPr>
+          <a:lstStyle/>
+          <a:p>
+            <a:r>
+              <a:rPr lang="es-CO" sz="4400" b="1" dirty="0">
+                <a:solidFill>
+                  <a:srgbClr val="38AA00"/>
+                </a:solidFill>
+                <a:latin typeface="WORK SANS BOLD ROMAN" pitchFamily="2" charset="77"/>
+              </a:rPr>
+              <a:t>		Versiones</a:t>
+            </a:r>
+            <a:endParaRPr lang="es-CO" sz="4000" b="1" dirty="0">
+              <a:solidFill>
+                <a:srgbClr val="38AA00"/>
+              </a:solidFill>
+              <a:latin typeface="Times New Roman" panose="02020603050405020304" pitchFamily="18" charset="0"/>
+              <a:cs typeface="Times New Roman" panose="02020603050405020304" pitchFamily="18" charset="0"/>
+            </a:endParaRPr>
+          </a:p>
+        </p:txBody>
+      </p:sp>
+      <p:cxnSp>
+        <p:nvCxnSpPr>
+          <p:cNvPr id="3" name="Conector recto 2">
+            <a:extLst>
+              <a:ext uri="{FF2B5EF4-FFF2-40B4-BE49-F238E27FC236}">
+                <a16:creationId xmlns:a16="http://schemas.microsoft.com/office/drawing/2014/main" id="{AE0C963B-97B4-4F66-1B49-0B47BC7F0F1A}"/>
+              </a:ext>
+            </a:extLst>
+          </p:cNvPr>
+          <p:cNvCxnSpPr>
+            <a:cxnSpLocks/>
+          </p:cNvCxnSpPr>
+          <p:nvPr/>
+        </p:nvCxnSpPr>
+        <p:spPr>
+          <a:xfrm>
+            <a:off x="1143059" y="1516603"/>
+            <a:ext cx="2247544" cy="0"/>
+          </a:xfrm>
+          <a:prstGeom prst="line">
+            <a:avLst/>
+          </a:prstGeom>
+          <a:ln w="12700">
+            <a:solidFill>
+              <a:srgbClr val="38AA00"/>
+            </a:solidFill>
+          </a:ln>
+        </p:spPr>
+        <p:style>
+          <a:lnRef idx="1">
+            <a:schemeClr val="accent1"/>
+          </a:lnRef>
+          <a:fillRef idx="0">
+            <a:schemeClr val="accent1"/>
+          </a:fillRef>
+          <a:effectRef idx="0">
+            <a:schemeClr val="accent1"/>
+          </a:effectRef>
+          <a:fontRef idx="minor">
+            <a:schemeClr val="tx1"/>
+          </a:fontRef>
+        </p:style>
+      </p:cxnSp>
+    </p:spTree>
+    <p:extLst>
+      <p:ext uri="{BB962C8B-B14F-4D97-AF65-F5344CB8AC3E}">
+        <p14:creationId xmlns:p14="http://schemas.microsoft.com/office/powerpoint/2010/main" val="3584590276"/>
+      </p:ext>
+    </p:extLst>
+  </p:cSld>
+  <p:clrMapOvr>
+    <a:masterClrMapping/>
+  </p:clrMapOvr>
+</p:sld>
+</file>
+
+<file path=ppt/slides/slide26.xml><?xml version="1.0" encoding="utf-8"?>
+<p:sld xmlns:a="http://schemas.openxmlformats.org/drawingml/2006/main" xmlns:r="http://schemas.openxmlformats.org/officeDocument/2006/relationships" xmlns:p="http://schemas.openxmlformats.org/presentationml/2006/main">
+  <p:cSld>
+    <p:bg>
+      <p:bgPr>
+        <a:blipFill dpi="0" rotWithShape="1">
+          <a:blip r:embed="rId2">
+            <a:lum/>
+          </a:blip>
+          <a:srcRect/>
+          <a:stretch>
+            <a:fillRect/>
+          </a:stretch>
+        </a:blipFill>
+        <a:effectLst/>
+      </p:bgPr>
+    </p:bg>
+    <p:spTree>
+      <p:nvGrpSpPr>
+        <p:cNvPr id="1" name=""/>
+        <p:cNvGrpSpPr/>
+        <p:nvPr/>
+      </p:nvGrpSpPr>
+      <p:grpSpPr>
+        <a:xfrm>
+          <a:off x="0" y="0"/>
+          <a:ext cx="0" cy="0"/>
+          <a:chOff x="0" y="0"/>
+          <a:chExt cx="0" cy="0"/>
+        </a:xfrm>
+      </p:grpSpPr>
+      <p:sp>
+        <p:nvSpPr>
           <p:cNvPr id="4" name="CuadroTexto 3">
             <a:extLst>
               <a:ext uri="{FF2B5EF4-FFF2-40B4-BE49-F238E27FC236}">
@@ -6826,19 +9729,11 @@
           <a:p>
             <a:r>
               <a:rPr lang="es-MX" b="1" dirty="0"/>
-              <a:t>Funcionalidades principales del software</a:t>
-            </a:r>
-            <a:r>
-              <a:rPr lang="es-MX" b="1"/>
-              <a:t>:</a:t>
-            </a:r>
-            <a:r>
-              <a:rPr lang="es-MX"/>
-              <a:t> Poder </a:t>
+              <a:t>Funcionalidades principales del software:</a:t>
             </a:r>
             <a:r>
               <a:rPr lang="es-MX" dirty="0"/>
-              <a:t>ofrecer una variedad de funcionalidades que ayuden a mejorar la eficacia operativa y la experiencia del cliente</a:t>
+              <a:t> Poder ofrecer una variedad de funcionalidades que ayuden a mejorar la eficacia operativa y la experiencia del cliente</a:t>
             </a:r>
           </a:p>
           <a:p>
@@ -6868,7 +9763,7 @@
 </p:sld>
 </file>
 
-<file path=ppt/slides/slide22.xml><?xml version="1.0" encoding="utf-8"?>
+<file path=ppt/slides/slide27.xml><?xml version="1.0" encoding="utf-8"?>
 <p:sld xmlns:a="http://schemas.openxmlformats.org/drawingml/2006/main" xmlns:r="http://schemas.openxmlformats.org/officeDocument/2006/relationships" xmlns:p="http://schemas.openxmlformats.org/presentationml/2006/main">
   <p:cSld>
     <p:bg>
